--- a/assets/BFN_series/BFN_series.pptx
+++ b/assets/BFN_series/BFN_series.pptx
@@ -6,29 +6,32 @@
   </p:sldMasterIdLst>
   <p:sldIdLst>
     <p:sldId id="259" r:id="rId2"/>
-    <p:sldId id="261" r:id="rId3"/>
-    <p:sldId id="264" r:id="rId4"/>
-    <p:sldId id="279" r:id="rId5"/>
-    <p:sldId id="280" r:id="rId6"/>
-    <p:sldId id="281" r:id="rId7"/>
+    <p:sldId id="288" r:id="rId3"/>
+    <p:sldId id="261" r:id="rId4"/>
+    <p:sldId id="264" r:id="rId5"/>
+    <p:sldId id="279" r:id="rId6"/>
+    <p:sldId id="280" r:id="rId7"/>
     <p:sldId id="265" r:id="rId8"/>
     <p:sldId id="266" r:id="rId9"/>
     <p:sldId id="258" r:id="rId10"/>
     <p:sldId id="267" r:id="rId11"/>
     <p:sldId id="282" r:id="rId12"/>
     <p:sldId id="283" r:id="rId13"/>
-    <p:sldId id="284" r:id="rId14"/>
-    <p:sldId id="268" r:id="rId15"/>
-    <p:sldId id="269" r:id="rId16"/>
-    <p:sldId id="270" r:id="rId17"/>
-    <p:sldId id="271" r:id="rId18"/>
-    <p:sldId id="272" r:id="rId19"/>
-    <p:sldId id="273" r:id="rId20"/>
-    <p:sldId id="274" r:id="rId21"/>
-    <p:sldId id="275" r:id="rId22"/>
-    <p:sldId id="276" r:id="rId23"/>
-    <p:sldId id="277" r:id="rId24"/>
-    <p:sldId id="278" r:id="rId25"/>
+    <p:sldId id="268" r:id="rId14"/>
+    <p:sldId id="269" r:id="rId15"/>
+    <p:sldId id="270" r:id="rId16"/>
+    <p:sldId id="271" r:id="rId17"/>
+    <p:sldId id="284" r:id="rId18"/>
+    <p:sldId id="285" r:id="rId19"/>
+    <p:sldId id="272" r:id="rId20"/>
+    <p:sldId id="273" r:id="rId21"/>
+    <p:sldId id="274" r:id="rId22"/>
+    <p:sldId id="275" r:id="rId23"/>
+    <p:sldId id="286" r:id="rId24"/>
+    <p:sldId id="287" r:id="rId25"/>
+    <p:sldId id="276" r:id="rId26"/>
+    <p:sldId id="277" r:id="rId27"/>
+    <p:sldId id="278" r:id="rId28"/>
   </p:sldIdLst>
   <p:sldSz cx="12192000" cy="6858000"/>
   <p:notesSz cx="6858000" cy="9144000"/>
@@ -3355,56 +3358,45 @@
           <a:chExt cx="0" cy="0"/>
         </a:xfrm>
       </p:grpSpPr>
-      <p:sp>
-        <p:nvSpPr>
-          <p:cNvPr id="2" name="矩形: 圆角 1">
-            <a:extLst>
-              <a:ext uri="{FF2B5EF4-FFF2-40B4-BE49-F238E27FC236}">
-                <a16:creationId xmlns:a16="http://schemas.microsoft.com/office/drawing/2014/main" id="{D60209B4-81F9-0DFE-5967-4F0352CDC3A3}"/>
-              </a:ext>
-            </a:extLst>
-          </p:cNvPr>
-          <p:cNvSpPr/>
-          <p:nvPr/>
-        </p:nvSpPr>
+      <p:pic>
+        <p:nvPicPr>
+          <p:cNvPr id="3" name="音频 2">
+            <a:hlinkClick r:id="" action="ppaction://media"/>
+            <a:extLst>
+              <a:ext uri="{FF2B5EF4-FFF2-40B4-BE49-F238E27FC236}">
+                <a16:creationId xmlns:a16="http://schemas.microsoft.com/office/drawing/2014/main" id="{A7EFF2AD-1775-A69D-9976-F20FDFB634F6}"/>
+              </a:ext>
+            </a:extLst>
+          </p:cNvPr>
+          <p:cNvPicPr>
+            <a:picLocks noChangeAspect="1"/>
+          </p:cNvPicPr>
+          <p:nvPr>
+            <a:audioFile r:link="rId2"/>
+            <p:extLst>
+              <p:ext uri="{DAA4B4D4-6D71-4841-9C94-3DE7FCFB9230}">
+                <p14:media xmlns:p14="http://schemas.microsoft.com/office/powerpoint/2010/main" r:embed="rId1"/>
+              </p:ext>
+            </p:extLst>
+          </p:nvPr>
+        </p:nvPicPr>
+        <p:blipFill>
+          <a:blip r:embed="rId4"/>
+          <a:srcRect l="-200000" t="-90625" r="-200000" b="-90625"/>
+          <a:stretch>
+            <a:fillRect/>
+          </a:stretch>
+        </p:blipFill>
         <p:spPr>
           <a:xfrm>
-            <a:off x="3693459" y="2420470"/>
-            <a:ext cx="2438400" cy="1093696"/>
+            <a:off x="9144000" y="5143500"/>
+            <a:ext cx="3048000" cy="1714500"/>
           </a:xfrm>
-          <a:prstGeom prst="roundRect">
+          <a:prstGeom prst="rect">
             <a:avLst/>
           </a:prstGeom>
         </p:spPr>
-        <p:style>
-          <a:lnRef idx="2">
-            <a:schemeClr val="accent2">
-              <a:shade val="15000"/>
-            </a:schemeClr>
-          </a:lnRef>
-          <a:fillRef idx="1">
-            <a:schemeClr val="accent2"/>
-          </a:fillRef>
-          <a:effectRef idx="0">
-            <a:schemeClr val="accent2"/>
-          </a:effectRef>
-          <a:fontRef idx="minor">
-            <a:schemeClr val="lt1"/>
-          </a:fontRef>
-        </p:style>
-        <p:txBody>
-          <a:bodyPr rtlCol="0" anchor="ctr"/>
-          <a:lstStyle/>
-          <a:p>
-            <a:pPr algn="ctr"/>
-            <a:r>
-              <a:rPr lang="en-US" altLang="zh-CN" dirty="0"/>
-              <a:t>BFN</a:t>
-            </a:r>
-            <a:endParaRPr lang="zh-CN" altLang="en-US" dirty="0"/>
-          </a:p>
-        </p:txBody>
-      </p:sp>
+      </p:pic>
     </p:spTree>
     <p:extLst>
       <p:ext uri="{BB962C8B-B14F-4D97-AF65-F5344CB8AC3E}">
@@ -3417,10 +3409,10 @@
   </p:clrMapOvr>
   <mc:AlternateContent xmlns:mc="http://schemas.openxmlformats.org/markup-compatibility/2006">
     <mc:Choice xmlns:p14="http://schemas.microsoft.com/office/powerpoint/2010/main" Requires="p14">
-      <p:transition spd="slow" p14:dur="2000" advClick="0" advTm="0"/>
+      <p:transition spd="slow" p14:dur="2000" advClick="0" advTm="2000"/>
     </mc:Choice>
     <mc:Fallback>
-      <p:transition spd="slow" advClick="0" advTm="0"/>
+      <p:transition spd="slow" advClick="0" advTm="2000"/>
     </mc:Fallback>
   </mc:AlternateContent>
   <p:timing>
@@ -3435,6 +3427,9 @@
                     <p:cTn id="3" fill="hold">
                       <p:stCondLst>
                         <p:cond delay="indefinite"/>
+                        <p:cond evt="onBegin" delay="0">
+                          <p:tn val="2"/>
+                        </p:cond>
                       </p:stCondLst>
                       <p:childTnLst>
                         <p:par>
@@ -3444,106 +3439,19 @@
                             </p:stCondLst>
                             <p:childTnLst>
                               <p:par>
-                                <p:cTn id="5" presetID="31" presetClass="exit" presetSubtype="0" fill="hold" grpId="0" nodeType="clickEffect">
+                                <p:cTn id="5" presetID="1" presetClass="mediacall" presetSubtype="0" fill="hold" nodeType="afterEffect">
                                   <p:stCondLst>
                                     <p:cond delay="0"/>
                                   </p:stCondLst>
                                   <p:childTnLst>
-                                    <p:anim calcmode="lin" valueType="num">
+                                    <p:cmd type="call" cmd="playFrom(0.0)">
                                       <p:cBhvr>
-                                        <p:cTn id="6" dur="1000"/>
+                                        <p:cTn id="6" dur="1" fill="hold"/>
                                         <p:tgtEl>
-                                          <p:spTgt spid="2"/>
-                                        </p:tgtEl>
-                                        <p:attrNameLst>
-                                          <p:attrName>ppt_w</p:attrName>
-                                        </p:attrNameLst>
-                                      </p:cBhvr>
-                                      <p:tavLst>
-                                        <p:tav tm="0">
-                                          <p:val>
-                                            <p:strVal val="ppt_w"/>
-                                          </p:val>
-                                        </p:tav>
-                                        <p:tav tm="100000">
-                                          <p:val>
-                                            <p:fltVal val="0"/>
-                                          </p:val>
-                                        </p:tav>
-                                      </p:tavLst>
-                                    </p:anim>
-                                    <p:anim calcmode="lin" valueType="num">
-                                      <p:cBhvr>
-                                        <p:cTn id="7" dur="1000"/>
-                                        <p:tgtEl>
-                                          <p:spTgt spid="2"/>
-                                        </p:tgtEl>
-                                        <p:attrNameLst>
-                                          <p:attrName>ppt_h</p:attrName>
-                                        </p:attrNameLst>
-                                      </p:cBhvr>
-                                      <p:tavLst>
-                                        <p:tav tm="0">
-                                          <p:val>
-                                            <p:strVal val="ppt_h"/>
-                                          </p:val>
-                                        </p:tav>
-                                        <p:tav tm="100000">
-                                          <p:val>
-                                            <p:fltVal val="0"/>
-                                          </p:val>
-                                        </p:tav>
-                                      </p:tavLst>
-                                    </p:anim>
-                                    <p:anim calcmode="lin" valueType="num">
-                                      <p:cBhvr>
-                                        <p:cTn id="8" dur="1000"/>
-                                        <p:tgtEl>
-                                          <p:spTgt spid="2"/>
-                                        </p:tgtEl>
-                                        <p:attrNameLst>
-                                          <p:attrName>style.rotation</p:attrName>
-                                        </p:attrNameLst>
-                                      </p:cBhvr>
-                                      <p:tavLst>
-                                        <p:tav tm="0">
-                                          <p:val>
-                                            <p:fltVal val="0"/>
-                                          </p:val>
-                                        </p:tav>
-                                        <p:tav tm="100000">
-                                          <p:val>
-                                            <p:fltVal val="90"/>
-                                          </p:val>
-                                        </p:tav>
-                                      </p:tavLst>
-                                    </p:anim>
-                                    <p:animEffect transition="out" filter="fade">
-                                      <p:cBhvr>
-                                        <p:cTn id="9" dur="1000"/>
-                                        <p:tgtEl>
-                                          <p:spTgt spid="2"/>
+                                          <p:spTgt spid="3"/>
                                         </p:tgtEl>
                                       </p:cBhvr>
-                                    </p:animEffect>
-                                    <p:set>
-                                      <p:cBhvr>
-                                        <p:cTn id="10" dur="1" fill="hold">
-                                          <p:stCondLst>
-                                            <p:cond delay="999"/>
-                                          </p:stCondLst>
-                                        </p:cTn>
-                                        <p:tgtEl>
-                                          <p:spTgt spid="2"/>
-                                        </p:tgtEl>
-                                        <p:attrNameLst>
-                                          <p:attrName>style.visibility</p:attrName>
-                                        </p:attrNameLst>
-                                      </p:cBhvr>
-                                      <p:to>
-                                        <p:strVal val="hidden"/>
-                                      </p:to>
-                                    </p:set>
+                                    </p:cmd>
                                   </p:childTnLst>
                                 </p:cTn>
                               </p:par>
@@ -3570,13 +3478,29 @@
                 </p:cond>
               </p:nextCondLst>
             </p:seq>
+            <p:audio isNarration="1">
+              <p:cMediaNode vol="80000" showWhenStopped="0">
+                <p:cTn id="7" fill="hold" display="0">
+                  <p:stCondLst>
+                    <p:cond delay="indefinite"/>
+                  </p:stCondLst>
+                  <p:endCondLst>
+                    <p:cond evt="onStopAudio" delay="0">
+                      <p:tgtEl>
+                        <p:sldTgt/>
+                      </p:tgtEl>
+                    </p:cond>
+                  </p:endCondLst>
+                </p:cTn>
+                <p:tgtEl>
+                  <p:spTgt spid="3"/>
+                </p:tgtEl>
+              </p:cMediaNode>
+            </p:audio>
           </p:childTnLst>
         </p:cTn>
       </p:par>
     </p:tnLst>
-    <p:bldLst>
-      <p:bldP spid="2" grpId="0" animBg="1"/>
-    </p:bldLst>
   </p:timing>
 </p:sld>
 </file>
@@ -4141,129 +4065,6 @@
 </file>
 
 <file path=ppt/slides/slide13.xml><?xml version="1.0" encoding="utf-8"?>
-<p:sld xmlns:a="http://schemas.openxmlformats.org/drawingml/2006/main" xmlns:r="http://schemas.openxmlformats.org/officeDocument/2006/relationships" xmlns:p="http://schemas.openxmlformats.org/presentationml/2006/main">
-  <p:cSld>
-    <p:spTree>
-      <p:nvGrpSpPr>
-        <p:cNvPr id="1" name="">
-          <a:extLst>
-            <a:ext uri="{FF2B5EF4-FFF2-40B4-BE49-F238E27FC236}">
-              <a16:creationId xmlns:a16="http://schemas.microsoft.com/office/drawing/2014/main" id="{A213FE0F-FA2E-96ED-8ADE-2AEBF8D0E224}"/>
-            </a:ext>
-          </a:extLst>
-        </p:cNvPr>
-        <p:cNvGrpSpPr/>
-        <p:nvPr/>
-      </p:nvGrpSpPr>
-      <p:grpSpPr>
-        <a:xfrm>
-          <a:off x="0" y="0"/>
-          <a:ext cx="0" cy="0"/>
-          <a:chOff x="0" y="0"/>
-          <a:chExt cx="0" cy="0"/>
-        </a:xfrm>
-      </p:grpSpPr>
-      <p:pic>
-        <p:nvPicPr>
-          <p:cNvPr id="3" name="图片 2">
-            <a:extLst>
-              <a:ext uri="{FF2B5EF4-FFF2-40B4-BE49-F238E27FC236}">
-                <a16:creationId xmlns:a16="http://schemas.microsoft.com/office/drawing/2014/main" id="{1BCBE6C5-1DCE-61A7-AA36-BD1CC36D9F74}"/>
-              </a:ext>
-            </a:extLst>
-          </p:cNvPr>
-          <p:cNvPicPr>
-            <a:picLocks noChangeAspect="1"/>
-          </p:cNvPicPr>
-          <p:nvPr/>
-        </p:nvPicPr>
-        <p:blipFill>
-          <a:blip r:embed="rId2">
-            <a:extLst>
-              <a:ext uri="{28A0092B-C50C-407E-A947-70E740481C1C}">
-                <a14:useLocalDpi xmlns:a14="http://schemas.microsoft.com/office/drawing/2010/main" val="0"/>
-              </a:ext>
-            </a:extLst>
-          </a:blip>
-          <a:stretch>
-            <a:fillRect/>
-          </a:stretch>
-        </p:blipFill>
-        <p:spPr>
-          <a:xfrm>
-            <a:off x="3368489" y="770965"/>
-            <a:ext cx="5578288" cy="5578288"/>
-          </a:xfrm>
-          <a:prstGeom prst="rect">
-            <a:avLst/>
-          </a:prstGeom>
-        </p:spPr>
-      </p:pic>
-      <p:sp>
-        <p:nvSpPr>
-          <p:cNvPr id="5" name="文本框 4">
-            <a:extLst>
-              <a:ext uri="{FF2B5EF4-FFF2-40B4-BE49-F238E27FC236}">
-                <a16:creationId xmlns:a16="http://schemas.microsoft.com/office/drawing/2014/main" id="{57764EB9-8594-3927-FEC7-C405B75CB403}"/>
-              </a:ext>
-            </a:extLst>
-          </p:cNvPr>
-          <p:cNvSpPr txBox="1"/>
-          <p:nvPr/>
-        </p:nvSpPr>
-        <p:spPr>
-          <a:xfrm>
-            <a:off x="4616713" y="382241"/>
-            <a:ext cx="2375647" cy="584775"/>
-          </a:xfrm>
-          <a:prstGeom prst="rect">
-            <a:avLst/>
-          </a:prstGeom>
-          <a:noFill/>
-        </p:spPr>
-        <p:txBody>
-          <a:bodyPr wrap="square" rtlCol="0">
-            <a:spAutoFit/>
-          </a:bodyPr>
-          <a:lstStyle/>
-          <a:p>
-            <a:pPr algn="ctr"/>
-            <a:r>
-              <a:rPr lang="en-US" altLang="zh-CN" sz="3200" dirty="0" err="1">
-                <a:latin typeface="Noto Sans JP Black" panose="020B0200000000000000" pitchFamily="34" charset="-122"/>
-                <a:ea typeface="Noto Sans JP Black" panose="020B0200000000000000" pitchFamily="34" charset="-122"/>
-              </a:rPr>
-              <a:t>MolCRAFT</a:t>
-            </a:r>
-            <a:endParaRPr lang="zh-CN" altLang="en-US" sz="3200" dirty="0">
-              <a:latin typeface="Noto Sans JP Black" panose="020B0200000000000000" pitchFamily="34" charset="-122"/>
-              <a:ea typeface="Noto Sans JP Black" panose="020B0200000000000000" pitchFamily="34" charset="-122"/>
-            </a:endParaRPr>
-          </a:p>
-        </p:txBody>
-      </p:sp>
-    </p:spTree>
-    <p:extLst>
-      <p:ext uri="{BB962C8B-B14F-4D97-AF65-F5344CB8AC3E}">
-        <p14:creationId xmlns:p14="http://schemas.microsoft.com/office/powerpoint/2010/main" val="1370456239"/>
-      </p:ext>
-    </p:extLst>
-  </p:cSld>
-  <p:clrMapOvr>
-    <a:masterClrMapping/>
-  </p:clrMapOvr>
-  <mc:AlternateContent xmlns:mc="http://schemas.openxmlformats.org/markup-compatibility/2006">
-    <mc:Choice xmlns:p14="http://schemas.microsoft.com/office/powerpoint/2010/main" Requires="p14">
-      <p:transition spd="slow" p14:dur="2000" advClick="0" advTm="2000"/>
-    </mc:Choice>
-    <mc:Fallback>
-      <p:transition spd="slow" advClick="0" advTm="2000"/>
-    </mc:Fallback>
-  </mc:AlternateContent>
-</p:sld>
-</file>
-
-<file path=ppt/slides/slide14.xml><?xml version="1.0" encoding="utf-8"?>
 <p:sld xmlns:a="http://schemas.openxmlformats.org/drawingml/2006/main" xmlns:r="http://schemas.openxmlformats.org/officeDocument/2006/relationships" xmlns:p="http://schemas.openxmlformats.org/presentationml/2006/main">
   <p:cSld>
     <p:spTree>
@@ -4611,7 +4412,7 @@
 </p:sld>
 </file>
 
-<file path=ppt/slides/slide15.xml><?xml version="1.0" encoding="utf-8"?>
+<file path=ppt/slides/slide14.xml><?xml version="1.0" encoding="utf-8"?>
 <p:sld xmlns:a="http://schemas.openxmlformats.org/drawingml/2006/main" xmlns:r="http://schemas.openxmlformats.org/officeDocument/2006/relationships" xmlns:p="http://schemas.openxmlformats.org/presentationml/2006/main">
   <p:cSld>
     <p:spTree>
@@ -4837,7 +4638,7 @@
 </p:sld>
 </file>
 
-<file path=ppt/slides/slide16.xml><?xml version="1.0" encoding="utf-8"?>
+<file path=ppt/slides/slide15.xml><?xml version="1.0" encoding="utf-8"?>
 <p:sld xmlns:a="http://schemas.openxmlformats.org/drawingml/2006/main" xmlns:r="http://schemas.openxmlformats.org/officeDocument/2006/relationships" xmlns:p="http://schemas.openxmlformats.org/presentationml/2006/main">
   <p:cSld>
     <p:spTree>
@@ -5155,7 +4956,7 @@
 </p:sld>
 </file>
 
-<file path=ppt/slides/slide17.xml><?xml version="1.0" encoding="utf-8"?>
+<file path=ppt/slides/slide16.xml><?xml version="1.0" encoding="utf-8"?>
 <p:sld xmlns:a="http://schemas.openxmlformats.org/drawingml/2006/main" xmlns:r="http://schemas.openxmlformats.org/officeDocument/2006/relationships" xmlns:p="http://schemas.openxmlformats.org/presentationml/2006/main">
   <p:cSld>
     <p:spTree>
@@ -5471,7 +5272,255 @@
 </p:sld>
 </file>
 
+<file path=ppt/slides/slide17.xml><?xml version="1.0" encoding="utf-8"?>
+<p:sld xmlns:a="http://schemas.openxmlformats.org/drawingml/2006/main" xmlns:r="http://schemas.openxmlformats.org/officeDocument/2006/relationships" xmlns:p="http://schemas.openxmlformats.org/presentationml/2006/main">
+  <p:cSld>
+    <p:spTree>
+      <p:nvGrpSpPr>
+        <p:cNvPr id="1" name="">
+          <a:extLst>
+            <a:ext uri="{FF2B5EF4-FFF2-40B4-BE49-F238E27FC236}">
+              <a16:creationId xmlns:a16="http://schemas.microsoft.com/office/drawing/2014/main" id="{448A4C6D-4B04-95FD-803A-0EE2D98B4CC4}"/>
+            </a:ext>
+          </a:extLst>
+        </p:cNvPr>
+        <p:cNvGrpSpPr/>
+        <p:nvPr/>
+      </p:nvGrpSpPr>
+      <p:grpSpPr>
+        <a:xfrm>
+          <a:off x="0" y="0"/>
+          <a:ext cx="0" cy="0"/>
+          <a:chOff x="0" y="0"/>
+          <a:chExt cx="0" cy="0"/>
+        </a:xfrm>
+      </p:grpSpPr>
+      <p:pic>
+        <p:nvPicPr>
+          <p:cNvPr id="3" name="图片 2">
+            <a:extLst>
+              <a:ext uri="{FF2B5EF4-FFF2-40B4-BE49-F238E27FC236}">
+                <a16:creationId xmlns:a16="http://schemas.microsoft.com/office/drawing/2014/main" id="{F7CDB30A-7E54-6262-2BC5-9E5CAA84483C}"/>
+              </a:ext>
+            </a:extLst>
+          </p:cNvPr>
+          <p:cNvPicPr>
+            <a:picLocks noChangeAspect="1"/>
+          </p:cNvPicPr>
+          <p:nvPr/>
+        </p:nvPicPr>
+        <p:blipFill>
+          <a:blip r:embed="rId2">
+            <a:extLst>
+              <a:ext uri="{28A0092B-C50C-407E-A947-70E740481C1C}">
+                <a14:useLocalDpi xmlns:a14="http://schemas.microsoft.com/office/drawing/2010/main" val="0"/>
+              </a:ext>
+            </a:extLst>
+          </a:blip>
+          <a:srcRect r="45267"/>
+          <a:stretch>
+            <a:fillRect/>
+          </a:stretch>
+        </p:blipFill>
+        <p:spPr>
+          <a:xfrm>
+            <a:off x="2174513" y="727609"/>
+            <a:ext cx="7418240" cy="4873263"/>
+          </a:xfrm>
+          <a:prstGeom prst="rect">
+            <a:avLst/>
+          </a:prstGeom>
+        </p:spPr>
+      </p:pic>
+      <p:sp>
+        <p:nvSpPr>
+          <p:cNvPr id="5" name="文本框 4">
+            <a:extLst>
+              <a:ext uri="{FF2B5EF4-FFF2-40B4-BE49-F238E27FC236}">
+                <a16:creationId xmlns:a16="http://schemas.microsoft.com/office/drawing/2014/main" id="{74AB723D-FBB3-AC1E-6251-EEB6CAD215D2}"/>
+              </a:ext>
+            </a:extLst>
+          </p:cNvPr>
+          <p:cNvSpPr txBox="1"/>
+          <p:nvPr/>
+        </p:nvSpPr>
+        <p:spPr>
+          <a:xfrm>
+            <a:off x="4616713" y="382241"/>
+            <a:ext cx="2375647" cy="584775"/>
+          </a:xfrm>
+          <a:prstGeom prst="rect">
+            <a:avLst/>
+          </a:prstGeom>
+          <a:noFill/>
+        </p:spPr>
+        <p:txBody>
+          <a:bodyPr wrap="square" rtlCol="0">
+            <a:spAutoFit/>
+          </a:bodyPr>
+          <a:lstStyle/>
+          <a:p>
+            <a:pPr algn="ctr"/>
+            <a:r>
+              <a:rPr lang="en-US" altLang="zh-CN" sz="3200" dirty="0" err="1">
+                <a:latin typeface="Noto Sans JP Black" panose="020B0200000000000000" pitchFamily="34" charset="-122"/>
+                <a:ea typeface="Noto Sans JP Black" panose="020B0200000000000000" pitchFamily="34" charset="-122"/>
+              </a:rPr>
+              <a:t>CrysBFN</a:t>
+            </a:r>
+            <a:endParaRPr lang="zh-CN" altLang="en-US" sz="3200" dirty="0">
+              <a:latin typeface="Noto Sans JP Black" panose="020B0200000000000000" pitchFamily="34" charset="-122"/>
+              <a:ea typeface="Noto Sans JP Black" panose="020B0200000000000000" pitchFamily="34" charset="-122"/>
+            </a:endParaRPr>
+          </a:p>
+        </p:txBody>
+      </p:sp>
+    </p:spTree>
+    <p:extLst>
+      <p:ext uri="{BB962C8B-B14F-4D97-AF65-F5344CB8AC3E}">
+        <p14:creationId xmlns:p14="http://schemas.microsoft.com/office/powerpoint/2010/main" val="1359428604"/>
+      </p:ext>
+    </p:extLst>
+  </p:cSld>
+  <p:clrMapOvr>
+    <a:masterClrMapping/>
+  </p:clrMapOvr>
+  <mc:AlternateContent xmlns:mc="http://schemas.openxmlformats.org/markup-compatibility/2006">
+    <mc:Choice xmlns:p14="http://schemas.microsoft.com/office/powerpoint/2010/main" Requires="p14">
+      <p:transition spd="slow" p14:dur="2000" advClick="0" advTm="2000"/>
+    </mc:Choice>
+    <mc:Fallback>
+      <p:transition spd="slow" advClick="0" advTm="2000"/>
+    </mc:Fallback>
+  </mc:AlternateContent>
+</p:sld>
+</file>
+
 <file path=ppt/slides/slide18.xml><?xml version="1.0" encoding="utf-8"?>
+<p:sld xmlns:a="http://schemas.openxmlformats.org/drawingml/2006/main" xmlns:r="http://schemas.openxmlformats.org/officeDocument/2006/relationships" xmlns:p="http://schemas.openxmlformats.org/presentationml/2006/main">
+  <p:cSld>
+    <p:spTree>
+      <p:nvGrpSpPr>
+        <p:cNvPr id="1" name="">
+          <a:extLst>
+            <a:ext uri="{FF2B5EF4-FFF2-40B4-BE49-F238E27FC236}">
+              <a16:creationId xmlns:a16="http://schemas.microsoft.com/office/drawing/2014/main" id="{32AE3EE9-1CF0-A189-FFF3-79FEEB309F82}"/>
+            </a:ext>
+          </a:extLst>
+        </p:cNvPr>
+        <p:cNvGrpSpPr/>
+        <p:nvPr/>
+      </p:nvGrpSpPr>
+      <p:grpSpPr>
+        <a:xfrm>
+          <a:off x="0" y="0"/>
+          <a:ext cx="0" cy="0"/>
+          <a:chOff x="0" y="0"/>
+          <a:chExt cx="0" cy="0"/>
+        </a:xfrm>
+      </p:grpSpPr>
+      <p:pic>
+        <p:nvPicPr>
+          <p:cNvPr id="3" name="图片 2">
+            <a:extLst>
+              <a:ext uri="{FF2B5EF4-FFF2-40B4-BE49-F238E27FC236}">
+                <a16:creationId xmlns:a16="http://schemas.microsoft.com/office/drawing/2014/main" id="{E0B06731-9DCF-2A29-7155-F2EBE1BD2DA1}"/>
+              </a:ext>
+            </a:extLst>
+          </p:cNvPr>
+          <p:cNvPicPr>
+            <a:picLocks noChangeAspect="1"/>
+          </p:cNvPicPr>
+          <p:nvPr/>
+        </p:nvPicPr>
+        <p:blipFill>
+          <a:blip r:embed="rId2">
+            <a:extLst>
+              <a:ext uri="{28A0092B-C50C-407E-A947-70E740481C1C}">
+                <a14:useLocalDpi xmlns:a14="http://schemas.microsoft.com/office/drawing/2010/main" val="0"/>
+              </a:ext>
+            </a:extLst>
+          </a:blip>
+          <a:srcRect r="45267"/>
+          <a:stretch>
+            <a:fillRect/>
+          </a:stretch>
+        </p:blipFill>
+        <p:spPr>
+          <a:xfrm>
+            <a:off x="2174513" y="727609"/>
+            <a:ext cx="7418240" cy="4873263"/>
+          </a:xfrm>
+          <a:prstGeom prst="rect">
+            <a:avLst/>
+          </a:prstGeom>
+        </p:spPr>
+      </p:pic>
+      <p:sp>
+        <p:nvSpPr>
+          <p:cNvPr id="5" name="文本框 4">
+            <a:extLst>
+              <a:ext uri="{FF2B5EF4-FFF2-40B4-BE49-F238E27FC236}">
+                <a16:creationId xmlns:a16="http://schemas.microsoft.com/office/drawing/2014/main" id="{085A9A1B-8C80-8BFE-BEC0-95608EE30B00}"/>
+              </a:ext>
+            </a:extLst>
+          </p:cNvPr>
+          <p:cNvSpPr txBox="1"/>
+          <p:nvPr/>
+        </p:nvSpPr>
+        <p:spPr>
+          <a:xfrm>
+            <a:off x="4616713" y="382241"/>
+            <a:ext cx="2375647" cy="584775"/>
+          </a:xfrm>
+          <a:prstGeom prst="rect">
+            <a:avLst/>
+          </a:prstGeom>
+          <a:noFill/>
+        </p:spPr>
+        <p:txBody>
+          <a:bodyPr wrap="square" rtlCol="0">
+            <a:spAutoFit/>
+          </a:bodyPr>
+          <a:lstStyle/>
+          <a:p>
+            <a:pPr algn="ctr"/>
+            <a:r>
+              <a:rPr lang="en-US" altLang="zh-CN" sz="3200" dirty="0" err="1">
+                <a:latin typeface="Noto Sans JP Black" panose="020B0200000000000000" pitchFamily="34" charset="-122"/>
+                <a:ea typeface="Noto Sans JP Black" panose="020B0200000000000000" pitchFamily="34" charset="-122"/>
+              </a:rPr>
+              <a:t>CrysBFN</a:t>
+            </a:r>
+            <a:endParaRPr lang="zh-CN" altLang="en-US" sz="3200" dirty="0">
+              <a:latin typeface="Noto Sans JP Black" panose="020B0200000000000000" pitchFamily="34" charset="-122"/>
+              <a:ea typeface="Noto Sans JP Black" panose="020B0200000000000000" pitchFamily="34" charset="-122"/>
+            </a:endParaRPr>
+          </a:p>
+        </p:txBody>
+      </p:sp>
+    </p:spTree>
+    <p:extLst>
+      <p:ext uri="{BB962C8B-B14F-4D97-AF65-F5344CB8AC3E}">
+        <p14:creationId xmlns:p14="http://schemas.microsoft.com/office/powerpoint/2010/main" val="3156675281"/>
+      </p:ext>
+    </p:extLst>
+  </p:cSld>
+  <p:clrMapOvr>
+    <a:masterClrMapping/>
+  </p:clrMapOvr>
+  <mc:AlternateContent xmlns:mc="http://schemas.openxmlformats.org/markup-compatibility/2006">
+    <mc:Choice xmlns:p14="http://schemas.microsoft.com/office/powerpoint/2010/main" Requires="p14">
+      <p:transition spd="slow" p14:dur="2000" advClick="0" advTm="2000"/>
+    </mc:Choice>
+    <mc:Fallback>
+      <p:transition spd="slow" advClick="0" advTm="2000"/>
+    </mc:Fallback>
+  </mc:AlternateContent>
+</p:sld>
+</file>
+
+<file path=ppt/slides/slide19.xml><?xml version="1.0" encoding="utf-8"?>
 <p:sld xmlns:a="http://schemas.openxmlformats.org/drawingml/2006/main" xmlns:r="http://schemas.openxmlformats.org/officeDocument/2006/relationships" xmlns:p="http://schemas.openxmlformats.org/presentationml/2006/main">
   <p:cSld>
     <p:spTree>
@@ -5822,7 +5871,352 @@
 </p:sld>
 </file>
 
-<file path=ppt/slides/slide19.xml><?xml version="1.0" encoding="utf-8"?>
+<file path=ppt/slides/slide2.xml><?xml version="1.0" encoding="utf-8"?>
+<p:sld xmlns:a="http://schemas.openxmlformats.org/drawingml/2006/main" xmlns:r="http://schemas.openxmlformats.org/officeDocument/2006/relationships" xmlns:p="http://schemas.openxmlformats.org/presentationml/2006/main">
+  <p:cSld>
+    <p:spTree>
+      <p:nvGrpSpPr>
+        <p:cNvPr id="1" name="">
+          <a:extLst>
+            <a:ext uri="{FF2B5EF4-FFF2-40B4-BE49-F238E27FC236}">
+              <a16:creationId xmlns:a16="http://schemas.microsoft.com/office/drawing/2014/main" id="{DF68CF95-CAF5-0286-5881-52CFD31A4C85}"/>
+            </a:ext>
+          </a:extLst>
+        </p:cNvPr>
+        <p:cNvGrpSpPr/>
+        <p:nvPr/>
+      </p:nvGrpSpPr>
+      <p:grpSpPr>
+        <a:xfrm>
+          <a:off x="0" y="0"/>
+          <a:ext cx="0" cy="0"/>
+          <a:chOff x="0" y="0"/>
+          <a:chExt cx="0" cy="0"/>
+        </a:xfrm>
+      </p:grpSpPr>
+      <p:sp>
+        <p:nvSpPr>
+          <p:cNvPr id="2" name="矩形: 圆角 1">
+            <a:extLst>
+              <a:ext uri="{FF2B5EF4-FFF2-40B4-BE49-F238E27FC236}">
+                <a16:creationId xmlns:a16="http://schemas.microsoft.com/office/drawing/2014/main" id="{81AEAE28-7548-EA78-81DB-D5C70C8D8CB9}"/>
+              </a:ext>
+            </a:extLst>
+          </p:cNvPr>
+          <p:cNvSpPr/>
+          <p:nvPr/>
+        </p:nvSpPr>
+        <p:spPr>
+          <a:xfrm>
+            <a:off x="3693459" y="2420470"/>
+            <a:ext cx="2438400" cy="1093696"/>
+          </a:xfrm>
+          <a:prstGeom prst="roundRect">
+            <a:avLst/>
+          </a:prstGeom>
+        </p:spPr>
+        <p:style>
+          <a:lnRef idx="2">
+            <a:schemeClr val="accent2">
+              <a:shade val="15000"/>
+            </a:schemeClr>
+          </a:lnRef>
+          <a:fillRef idx="1">
+            <a:schemeClr val="accent2"/>
+          </a:fillRef>
+          <a:effectRef idx="0">
+            <a:schemeClr val="accent2"/>
+          </a:effectRef>
+          <a:fontRef idx="minor">
+            <a:schemeClr val="lt1"/>
+          </a:fontRef>
+        </p:style>
+        <p:txBody>
+          <a:bodyPr rtlCol="0" anchor="ctr"/>
+          <a:lstStyle/>
+          <a:p>
+            <a:pPr algn="ctr"/>
+            <a:r>
+              <a:rPr lang="en-US" altLang="zh-CN" dirty="0"/>
+              <a:t>BFN</a:t>
+            </a:r>
+            <a:endParaRPr lang="zh-CN" altLang="en-US" dirty="0"/>
+          </a:p>
+        </p:txBody>
+      </p:sp>
+      <p:pic>
+        <p:nvPicPr>
+          <p:cNvPr id="3" name="音频 2">
+            <a:hlinkClick r:id="" action="ppaction://media"/>
+            <a:extLst>
+              <a:ext uri="{FF2B5EF4-FFF2-40B4-BE49-F238E27FC236}">
+                <a16:creationId xmlns:a16="http://schemas.microsoft.com/office/drawing/2014/main" id="{FE3E8C54-5414-A492-CC54-F961BE059F4F}"/>
+              </a:ext>
+            </a:extLst>
+          </p:cNvPr>
+          <p:cNvPicPr>
+            <a:picLocks noChangeAspect="1"/>
+          </p:cNvPicPr>
+          <p:nvPr>
+            <a:audioFile r:link="rId2"/>
+            <p:extLst>
+              <p:ext uri="{DAA4B4D4-6D71-4841-9C94-3DE7FCFB9230}">
+                <p14:media xmlns:p14="http://schemas.microsoft.com/office/powerpoint/2010/main" r:embed="rId1"/>
+              </p:ext>
+            </p:extLst>
+          </p:nvPr>
+        </p:nvPicPr>
+        <p:blipFill>
+          <a:blip r:embed="rId4"/>
+          <a:srcRect l="-200000" t="-90625" r="-200000" b="-90625"/>
+          <a:stretch>
+            <a:fillRect/>
+          </a:stretch>
+        </p:blipFill>
+        <p:spPr>
+          <a:xfrm>
+            <a:off x="9144000" y="5143500"/>
+            <a:ext cx="3048000" cy="1714500"/>
+          </a:xfrm>
+          <a:prstGeom prst="rect">
+            <a:avLst/>
+          </a:prstGeom>
+        </p:spPr>
+      </p:pic>
+    </p:spTree>
+    <p:extLst>
+      <p:ext uri="{BB962C8B-B14F-4D97-AF65-F5344CB8AC3E}">
+        <p14:creationId xmlns:p14="http://schemas.microsoft.com/office/powerpoint/2010/main" val="4051450676"/>
+      </p:ext>
+    </p:extLst>
+  </p:cSld>
+  <p:clrMapOvr>
+    <a:masterClrMapping/>
+  </p:clrMapOvr>
+  <mc:AlternateContent xmlns:mc="http://schemas.openxmlformats.org/markup-compatibility/2006">
+    <mc:Choice xmlns:p14="http://schemas.microsoft.com/office/powerpoint/2010/main" Requires="p14">
+      <p:transition spd="slow" p14:dur="2000" advClick="0" advTm="0"/>
+    </mc:Choice>
+    <mc:Fallback>
+      <p:transition spd="slow" advClick="0" advTm="0"/>
+    </mc:Fallback>
+  </mc:AlternateContent>
+  <p:timing>
+    <p:tnLst>
+      <p:par>
+        <p:cTn id="1" dur="indefinite" restart="never" nodeType="tmRoot">
+          <p:childTnLst>
+            <p:seq concurrent="1" nextAc="seek">
+              <p:cTn id="2" dur="indefinite" nodeType="mainSeq">
+                <p:childTnLst>
+                  <p:par>
+                    <p:cTn id="3" fill="hold">
+                      <p:stCondLst>
+                        <p:cond delay="indefinite"/>
+                        <p:cond evt="onBegin" delay="0">
+                          <p:tn val="2"/>
+                        </p:cond>
+                      </p:stCondLst>
+                      <p:childTnLst>
+                        <p:par>
+                          <p:cTn id="4" fill="hold">
+                            <p:stCondLst>
+                              <p:cond delay="0"/>
+                            </p:stCondLst>
+                            <p:childTnLst>
+                              <p:par>
+                                <p:cTn id="5" presetID="1" presetClass="mediacall" presetSubtype="0" fill="hold" nodeType="afterEffect">
+                                  <p:stCondLst>
+                                    <p:cond delay="0"/>
+                                  </p:stCondLst>
+                                  <p:childTnLst>
+                                    <p:cmd type="call" cmd="playFrom(0.0)">
+                                      <p:cBhvr>
+                                        <p:cTn id="6" dur="1" fill="hold"/>
+                                        <p:tgtEl>
+                                          <p:spTgt spid="3"/>
+                                        </p:tgtEl>
+                                      </p:cBhvr>
+                                    </p:cmd>
+                                  </p:childTnLst>
+                                </p:cTn>
+                              </p:par>
+                            </p:childTnLst>
+                          </p:cTn>
+                        </p:par>
+                      </p:childTnLst>
+                    </p:cTn>
+                  </p:par>
+                  <p:par>
+                    <p:cTn id="7" fill="hold">
+                      <p:stCondLst>
+                        <p:cond delay="indefinite"/>
+                      </p:stCondLst>
+                      <p:childTnLst>
+                        <p:par>
+                          <p:cTn id="8" fill="hold">
+                            <p:stCondLst>
+                              <p:cond delay="0"/>
+                            </p:stCondLst>
+                            <p:childTnLst>
+                              <p:par>
+                                <p:cTn id="9" presetID="31" presetClass="exit" presetSubtype="0" fill="hold" grpId="0" nodeType="clickEffect">
+                                  <p:stCondLst>
+                                    <p:cond delay="0"/>
+                                  </p:stCondLst>
+                                  <p:childTnLst>
+                                    <p:anim calcmode="lin" valueType="num">
+                                      <p:cBhvr>
+                                        <p:cTn id="10" dur="1000"/>
+                                        <p:tgtEl>
+                                          <p:spTgt spid="2"/>
+                                        </p:tgtEl>
+                                        <p:attrNameLst>
+                                          <p:attrName>ppt_w</p:attrName>
+                                        </p:attrNameLst>
+                                      </p:cBhvr>
+                                      <p:tavLst>
+                                        <p:tav tm="0">
+                                          <p:val>
+                                            <p:strVal val="ppt_w"/>
+                                          </p:val>
+                                        </p:tav>
+                                        <p:tav tm="100000">
+                                          <p:val>
+                                            <p:fltVal val="0"/>
+                                          </p:val>
+                                        </p:tav>
+                                      </p:tavLst>
+                                    </p:anim>
+                                    <p:anim calcmode="lin" valueType="num">
+                                      <p:cBhvr>
+                                        <p:cTn id="11" dur="1000"/>
+                                        <p:tgtEl>
+                                          <p:spTgt spid="2"/>
+                                        </p:tgtEl>
+                                        <p:attrNameLst>
+                                          <p:attrName>ppt_h</p:attrName>
+                                        </p:attrNameLst>
+                                      </p:cBhvr>
+                                      <p:tavLst>
+                                        <p:tav tm="0">
+                                          <p:val>
+                                            <p:strVal val="ppt_h"/>
+                                          </p:val>
+                                        </p:tav>
+                                        <p:tav tm="100000">
+                                          <p:val>
+                                            <p:fltVal val="0"/>
+                                          </p:val>
+                                        </p:tav>
+                                      </p:tavLst>
+                                    </p:anim>
+                                    <p:anim calcmode="lin" valueType="num">
+                                      <p:cBhvr>
+                                        <p:cTn id="12" dur="1000"/>
+                                        <p:tgtEl>
+                                          <p:spTgt spid="2"/>
+                                        </p:tgtEl>
+                                        <p:attrNameLst>
+                                          <p:attrName>style.rotation</p:attrName>
+                                        </p:attrNameLst>
+                                      </p:cBhvr>
+                                      <p:tavLst>
+                                        <p:tav tm="0">
+                                          <p:val>
+                                            <p:fltVal val="0"/>
+                                          </p:val>
+                                        </p:tav>
+                                        <p:tav tm="100000">
+                                          <p:val>
+                                            <p:fltVal val="90"/>
+                                          </p:val>
+                                        </p:tav>
+                                      </p:tavLst>
+                                    </p:anim>
+                                    <p:animEffect transition="out" filter="fade">
+                                      <p:cBhvr>
+                                        <p:cTn id="13" dur="1000"/>
+                                        <p:tgtEl>
+                                          <p:spTgt spid="2"/>
+                                        </p:tgtEl>
+                                      </p:cBhvr>
+                                    </p:animEffect>
+                                    <p:set>
+                                      <p:cBhvr>
+                                        <p:cTn id="14" dur="1" fill="hold">
+                                          <p:stCondLst>
+                                            <p:cond delay="999"/>
+                                          </p:stCondLst>
+                                        </p:cTn>
+                                        <p:tgtEl>
+                                          <p:spTgt spid="2"/>
+                                        </p:tgtEl>
+                                        <p:attrNameLst>
+                                          <p:attrName>style.visibility</p:attrName>
+                                        </p:attrNameLst>
+                                      </p:cBhvr>
+                                      <p:to>
+                                        <p:strVal val="hidden"/>
+                                      </p:to>
+                                    </p:set>
+                                  </p:childTnLst>
+                                </p:cTn>
+                              </p:par>
+                            </p:childTnLst>
+                          </p:cTn>
+                        </p:par>
+                      </p:childTnLst>
+                    </p:cTn>
+                  </p:par>
+                </p:childTnLst>
+              </p:cTn>
+              <p:prevCondLst>
+                <p:cond evt="onPrev" delay="0">
+                  <p:tgtEl>
+                    <p:sldTgt/>
+                  </p:tgtEl>
+                </p:cond>
+              </p:prevCondLst>
+              <p:nextCondLst>
+                <p:cond evt="onNext" delay="0">
+                  <p:tgtEl>
+                    <p:sldTgt/>
+                  </p:tgtEl>
+                </p:cond>
+              </p:nextCondLst>
+            </p:seq>
+            <p:audio isNarration="1">
+              <p:cMediaNode vol="80000" showWhenStopped="0">
+                <p:cTn id="15" fill="hold" display="0">
+                  <p:stCondLst>
+                    <p:cond delay="indefinite"/>
+                  </p:stCondLst>
+                  <p:endCondLst>
+                    <p:cond evt="onStopAudio" delay="0">
+                      <p:tgtEl>
+                        <p:sldTgt/>
+                      </p:tgtEl>
+                    </p:cond>
+                  </p:endCondLst>
+                </p:cTn>
+                <p:tgtEl>
+                  <p:spTgt spid="3"/>
+                </p:tgtEl>
+              </p:cMediaNode>
+            </p:audio>
+          </p:childTnLst>
+        </p:cTn>
+      </p:par>
+    </p:tnLst>
+    <p:bldLst>
+      <p:bldP spid="2" grpId="0" animBg="1"/>
+    </p:bldLst>
+  </p:timing>
+</p:sld>
+</file>
+
+<file path=ppt/slides/slide20.xml><?xml version="1.0" encoding="utf-8"?>
 <p:sld xmlns:a="http://schemas.openxmlformats.org/drawingml/2006/main" xmlns:r="http://schemas.openxmlformats.org/officeDocument/2006/relationships" xmlns:p="http://schemas.openxmlformats.org/presentationml/2006/main">
   <p:cSld>
     <p:spTree>
@@ -6004,7 +6398,1568 @@
 </p:sld>
 </file>
 
-<file path=ppt/slides/slide2.xml><?xml version="1.0" encoding="utf-8"?>
+<file path=ppt/slides/slide21.xml><?xml version="1.0" encoding="utf-8"?>
+<p:sld xmlns:a="http://schemas.openxmlformats.org/drawingml/2006/main" xmlns:r="http://schemas.openxmlformats.org/officeDocument/2006/relationships" xmlns:p="http://schemas.openxmlformats.org/presentationml/2006/main">
+  <p:cSld>
+    <p:spTree>
+      <p:nvGrpSpPr>
+        <p:cNvPr id="1" name="">
+          <a:extLst>
+            <a:ext uri="{FF2B5EF4-FFF2-40B4-BE49-F238E27FC236}">
+              <a16:creationId xmlns:a16="http://schemas.microsoft.com/office/drawing/2014/main" id="{37B59147-D20A-D254-6DA2-143D08B00C70}"/>
+            </a:ext>
+          </a:extLst>
+        </p:cNvPr>
+        <p:cNvGrpSpPr/>
+        <p:nvPr/>
+      </p:nvGrpSpPr>
+      <p:grpSpPr>
+        <a:xfrm>
+          <a:off x="0" y="0"/>
+          <a:ext cx="0" cy="0"/>
+          <a:chOff x="0" y="0"/>
+          <a:chExt cx="0" cy="0"/>
+        </a:xfrm>
+      </p:grpSpPr>
+      <p:pic>
+        <p:nvPicPr>
+          <p:cNvPr id="4" name="图片 3">
+            <a:extLst>
+              <a:ext uri="{FF2B5EF4-FFF2-40B4-BE49-F238E27FC236}">
+                <a16:creationId xmlns:a16="http://schemas.microsoft.com/office/drawing/2014/main" id="{E015AA28-7823-C9AA-6D39-F91F91727A3C}"/>
+              </a:ext>
+            </a:extLst>
+          </p:cNvPr>
+          <p:cNvPicPr>
+            <a:picLocks noChangeAspect="1"/>
+          </p:cNvPicPr>
+          <p:nvPr/>
+        </p:nvPicPr>
+        <p:blipFill>
+          <a:blip r:embed="rId2">
+            <a:extLst>
+              <a:ext uri="{28A0092B-C50C-407E-A947-70E740481C1C}">
+                <a14:useLocalDpi xmlns:a14="http://schemas.microsoft.com/office/drawing/2010/main" val="0"/>
+              </a:ext>
+            </a:extLst>
+          </a:blip>
+          <a:stretch>
+            <a:fillRect/>
+          </a:stretch>
+        </p:blipFill>
+        <p:spPr>
+          <a:xfrm>
+            <a:off x="2079811" y="1237664"/>
+            <a:ext cx="8650941" cy="4778969"/>
+          </a:xfrm>
+          <a:prstGeom prst="rect">
+            <a:avLst/>
+          </a:prstGeom>
+        </p:spPr>
+      </p:pic>
+      <p:sp>
+        <p:nvSpPr>
+          <p:cNvPr id="2" name="矩形: 圆角 1">
+            <a:extLst>
+              <a:ext uri="{FF2B5EF4-FFF2-40B4-BE49-F238E27FC236}">
+                <a16:creationId xmlns:a16="http://schemas.microsoft.com/office/drawing/2014/main" id="{D7FD9D17-BADE-D64B-167B-21F8DBCEE756}"/>
+              </a:ext>
+            </a:extLst>
+          </p:cNvPr>
+          <p:cNvSpPr/>
+          <p:nvPr/>
+        </p:nvSpPr>
+        <p:spPr>
+          <a:xfrm>
+            <a:off x="4148964" y="2637322"/>
+            <a:ext cx="3722049" cy="1118890"/>
+          </a:xfrm>
+          <a:prstGeom prst="roundRect">
+            <a:avLst>
+              <a:gd name="adj" fmla="val 9328"/>
+            </a:avLst>
+          </a:prstGeom>
+        </p:spPr>
+        <p:style>
+          <a:lnRef idx="2">
+            <a:schemeClr val="accent2">
+              <a:shade val="15000"/>
+            </a:schemeClr>
+          </a:lnRef>
+          <a:fillRef idx="1">
+            <a:schemeClr val="accent2"/>
+          </a:fillRef>
+          <a:effectRef idx="0">
+            <a:schemeClr val="accent2"/>
+          </a:effectRef>
+          <a:fontRef idx="minor">
+            <a:schemeClr val="lt1"/>
+          </a:fontRef>
+        </p:style>
+        <p:txBody>
+          <a:bodyPr rtlCol="0" anchor="ctr"/>
+          <a:lstStyle/>
+          <a:p>
+            <a:pPr algn="ctr"/>
+            <a:r>
+              <a:rPr lang="en-US" altLang="zh-CN" sz="2400" dirty="0"/>
+              <a:t>BFN</a:t>
+            </a:r>
+            <a:endParaRPr lang="zh-CN" altLang="en-US" sz="2400" dirty="0"/>
+          </a:p>
+        </p:txBody>
+      </p:sp>
+    </p:spTree>
+    <p:extLst>
+      <p:ext uri="{BB962C8B-B14F-4D97-AF65-F5344CB8AC3E}">
+        <p14:creationId xmlns:p14="http://schemas.microsoft.com/office/powerpoint/2010/main" val="3542528332"/>
+      </p:ext>
+    </p:extLst>
+  </p:cSld>
+  <p:clrMapOvr>
+    <a:masterClrMapping/>
+  </p:clrMapOvr>
+  <mc:AlternateContent xmlns:mc="http://schemas.openxmlformats.org/markup-compatibility/2006">
+    <mc:Choice xmlns:p14="http://schemas.microsoft.com/office/powerpoint/2010/main" Requires="p14">
+      <p:transition spd="slow" p14:dur="2000" advClick="0" advTm="0"/>
+    </mc:Choice>
+    <mc:Fallback>
+      <p:transition spd="slow" advClick="0" advTm="0"/>
+    </mc:Fallback>
+  </mc:AlternateContent>
+  <p:timing>
+    <p:tnLst>
+      <p:par>
+        <p:cTn id="1" dur="indefinite" restart="never" nodeType="tmRoot">
+          <p:childTnLst>
+            <p:seq concurrent="1" nextAc="seek">
+              <p:cTn id="2" dur="indefinite" nodeType="mainSeq">
+                <p:childTnLst>
+                  <p:par>
+                    <p:cTn id="3" fill="hold">
+                      <p:stCondLst>
+                        <p:cond delay="indefinite"/>
+                      </p:stCondLst>
+                      <p:childTnLst>
+                        <p:par>
+                          <p:cTn id="4" fill="hold">
+                            <p:stCondLst>
+                              <p:cond delay="0"/>
+                            </p:stCondLst>
+                            <p:childTnLst>
+                              <p:par>
+                                <p:cTn id="5" presetID="53" presetClass="entr" presetSubtype="16" fill="hold" grpId="0" nodeType="clickEffect">
+                                  <p:stCondLst>
+                                    <p:cond delay="0"/>
+                                  </p:stCondLst>
+                                  <p:childTnLst>
+                                    <p:set>
+                                      <p:cBhvr>
+                                        <p:cTn id="6" dur="1" fill="hold">
+                                          <p:stCondLst>
+                                            <p:cond delay="0"/>
+                                          </p:stCondLst>
+                                        </p:cTn>
+                                        <p:tgtEl>
+                                          <p:spTgt spid="2"/>
+                                        </p:tgtEl>
+                                        <p:attrNameLst>
+                                          <p:attrName>style.visibility</p:attrName>
+                                        </p:attrNameLst>
+                                      </p:cBhvr>
+                                      <p:to>
+                                        <p:strVal val="visible"/>
+                                      </p:to>
+                                    </p:set>
+                                    <p:anim calcmode="lin" valueType="num">
+                                      <p:cBhvr>
+                                        <p:cTn id="7" dur="500" fill="hold"/>
+                                        <p:tgtEl>
+                                          <p:spTgt spid="2"/>
+                                        </p:tgtEl>
+                                        <p:attrNameLst>
+                                          <p:attrName>ppt_w</p:attrName>
+                                        </p:attrNameLst>
+                                      </p:cBhvr>
+                                      <p:tavLst>
+                                        <p:tav tm="0">
+                                          <p:val>
+                                            <p:fltVal val="0"/>
+                                          </p:val>
+                                        </p:tav>
+                                        <p:tav tm="100000">
+                                          <p:val>
+                                            <p:strVal val="#ppt_w"/>
+                                          </p:val>
+                                        </p:tav>
+                                      </p:tavLst>
+                                    </p:anim>
+                                    <p:anim calcmode="lin" valueType="num">
+                                      <p:cBhvr>
+                                        <p:cTn id="8" dur="500" fill="hold"/>
+                                        <p:tgtEl>
+                                          <p:spTgt spid="2"/>
+                                        </p:tgtEl>
+                                        <p:attrNameLst>
+                                          <p:attrName>ppt_h</p:attrName>
+                                        </p:attrNameLst>
+                                      </p:cBhvr>
+                                      <p:tavLst>
+                                        <p:tav tm="0">
+                                          <p:val>
+                                            <p:fltVal val="0"/>
+                                          </p:val>
+                                        </p:tav>
+                                        <p:tav tm="100000">
+                                          <p:val>
+                                            <p:strVal val="#ppt_h"/>
+                                          </p:val>
+                                        </p:tav>
+                                      </p:tavLst>
+                                    </p:anim>
+                                    <p:animEffect transition="in" filter="fade">
+                                      <p:cBhvr>
+                                        <p:cTn id="9" dur="500"/>
+                                        <p:tgtEl>
+                                          <p:spTgt spid="2"/>
+                                        </p:tgtEl>
+                                      </p:cBhvr>
+                                    </p:animEffect>
+                                  </p:childTnLst>
+                                </p:cTn>
+                              </p:par>
+                            </p:childTnLst>
+                          </p:cTn>
+                        </p:par>
+                      </p:childTnLst>
+                    </p:cTn>
+                  </p:par>
+                  <p:par>
+                    <p:cTn id="10" fill="hold">
+                      <p:stCondLst>
+                        <p:cond delay="indefinite"/>
+                      </p:stCondLst>
+                      <p:childTnLst>
+                        <p:par>
+                          <p:cTn id="11" fill="hold">
+                            <p:stCondLst>
+                              <p:cond delay="0"/>
+                            </p:stCondLst>
+                            <p:childTnLst>
+                              <p:par>
+                                <p:cTn id="12" presetID="21" presetClass="entr" presetSubtype="1" fill="hold" nodeType="clickEffect">
+                                  <p:stCondLst>
+                                    <p:cond delay="0"/>
+                                  </p:stCondLst>
+                                  <p:childTnLst>
+                                    <p:set>
+                                      <p:cBhvr>
+                                        <p:cTn id="13" dur="1" fill="hold">
+                                          <p:stCondLst>
+                                            <p:cond delay="0"/>
+                                          </p:stCondLst>
+                                        </p:cTn>
+                                        <p:tgtEl>
+                                          <p:spTgt spid="4"/>
+                                        </p:tgtEl>
+                                        <p:attrNameLst>
+                                          <p:attrName>style.visibility</p:attrName>
+                                        </p:attrNameLst>
+                                      </p:cBhvr>
+                                      <p:to>
+                                        <p:strVal val="visible"/>
+                                      </p:to>
+                                    </p:set>
+                                    <p:animEffect transition="in" filter="wheel(1)">
+                                      <p:cBhvr>
+                                        <p:cTn id="14" dur="2000"/>
+                                        <p:tgtEl>
+                                          <p:spTgt spid="4"/>
+                                        </p:tgtEl>
+                                      </p:cBhvr>
+                                    </p:animEffect>
+                                  </p:childTnLst>
+                                </p:cTn>
+                              </p:par>
+                            </p:childTnLst>
+                          </p:cTn>
+                        </p:par>
+                      </p:childTnLst>
+                    </p:cTn>
+                  </p:par>
+                </p:childTnLst>
+              </p:cTn>
+              <p:prevCondLst>
+                <p:cond evt="onPrev" delay="0">
+                  <p:tgtEl>
+                    <p:sldTgt/>
+                  </p:tgtEl>
+                </p:cond>
+              </p:prevCondLst>
+              <p:nextCondLst>
+                <p:cond evt="onNext" delay="0">
+                  <p:tgtEl>
+                    <p:sldTgt/>
+                  </p:tgtEl>
+                </p:cond>
+              </p:nextCondLst>
+            </p:seq>
+          </p:childTnLst>
+        </p:cTn>
+      </p:par>
+    </p:tnLst>
+    <p:bldLst>
+      <p:bldP spid="2" grpId="0" animBg="1"/>
+    </p:bldLst>
+  </p:timing>
+</p:sld>
+</file>
+
+<file path=ppt/slides/slide22.xml><?xml version="1.0" encoding="utf-8"?>
+<p:sld xmlns:a="http://schemas.openxmlformats.org/drawingml/2006/main" xmlns:r="http://schemas.openxmlformats.org/officeDocument/2006/relationships" xmlns:p="http://schemas.openxmlformats.org/presentationml/2006/main">
+  <p:cSld>
+    <p:spTree>
+      <p:nvGrpSpPr>
+        <p:cNvPr id="1" name="">
+          <a:extLst>
+            <a:ext uri="{FF2B5EF4-FFF2-40B4-BE49-F238E27FC236}">
+              <a16:creationId xmlns:a16="http://schemas.microsoft.com/office/drawing/2014/main" id="{1D88DCF9-B686-C174-CBBE-11AF83F83AD7}"/>
+            </a:ext>
+          </a:extLst>
+        </p:cNvPr>
+        <p:cNvGrpSpPr/>
+        <p:nvPr/>
+      </p:nvGrpSpPr>
+      <p:grpSpPr>
+        <a:xfrm>
+          <a:off x="0" y="0"/>
+          <a:ext cx="0" cy="0"/>
+          <a:chOff x="0" y="0"/>
+          <a:chExt cx="0" cy="0"/>
+        </a:xfrm>
+      </p:grpSpPr>
+      <p:pic>
+        <p:nvPicPr>
+          <p:cNvPr id="4" name="图片 3">
+            <a:extLst>
+              <a:ext uri="{FF2B5EF4-FFF2-40B4-BE49-F238E27FC236}">
+                <a16:creationId xmlns:a16="http://schemas.microsoft.com/office/drawing/2014/main" id="{EC391A95-4908-AC7B-E797-19308AC4CCC2}"/>
+              </a:ext>
+            </a:extLst>
+          </p:cNvPr>
+          <p:cNvPicPr>
+            <a:picLocks noChangeAspect="1"/>
+          </p:cNvPicPr>
+          <p:nvPr/>
+        </p:nvPicPr>
+        <p:blipFill>
+          <a:blip r:embed="rId2">
+            <a:extLst>
+              <a:ext uri="{28A0092B-C50C-407E-A947-70E740481C1C}">
+                <a14:useLocalDpi xmlns:a14="http://schemas.microsoft.com/office/drawing/2010/main" val="0"/>
+              </a:ext>
+            </a:extLst>
+          </a:blip>
+          <a:stretch>
+            <a:fillRect/>
+          </a:stretch>
+        </p:blipFill>
+        <p:spPr>
+          <a:xfrm>
+            <a:off x="2079811" y="1237664"/>
+            <a:ext cx="8650941" cy="4778969"/>
+          </a:xfrm>
+          <a:prstGeom prst="rect">
+            <a:avLst/>
+          </a:prstGeom>
+        </p:spPr>
+      </p:pic>
+      <p:sp>
+        <p:nvSpPr>
+          <p:cNvPr id="5" name="文本框 4">
+            <a:extLst>
+              <a:ext uri="{FF2B5EF4-FFF2-40B4-BE49-F238E27FC236}">
+                <a16:creationId xmlns:a16="http://schemas.microsoft.com/office/drawing/2014/main" id="{5C3D2B28-933D-2CEA-5728-B72CD0F9BAA3}"/>
+              </a:ext>
+            </a:extLst>
+          </p:cNvPr>
+          <p:cNvSpPr txBox="1"/>
+          <p:nvPr/>
+        </p:nvSpPr>
+        <p:spPr>
+          <a:xfrm>
+            <a:off x="4616713" y="382241"/>
+            <a:ext cx="2496356" cy="584775"/>
+          </a:xfrm>
+          <a:prstGeom prst="rect">
+            <a:avLst/>
+          </a:prstGeom>
+          <a:noFill/>
+        </p:spPr>
+        <p:txBody>
+          <a:bodyPr wrap="square" rtlCol="0">
+            <a:spAutoFit/>
+          </a:bodyPr>
+          <a:lstStyle/>
+          <a:p>
+            <a:pPr algn="ctr"/>
+            <a:r>
+              <a:rPr lang="en-US" altLang="zh-CN" sz="3200" dirty="0" err="1">
+                <a:latin typeface="Noto Sans JP Black" panose="020B0200000000000000" pitchFamily="34" charset="-122"/>
+                <a:ea typeface="Noto Sans JP Black" panose="020B0200000000000000" pitchFamily="34" charset="-122"/>
+              </a:rPr>
+              <a:t>ProfileBFN</a:t>
+            </a:r>
+            <a:endParaRPr lang="zh-CN" altLang="en-US" sz="3200" dirty="0">
+              <a:latin typeface="Noto Sans JP Black" panose="020B0200000000000000" pitchFamily="34" charset="-122"/>
+              <a:ea typeface="Noto Sans JP Black" panose="020B0200000000000000" pitchFamily="34" charset="-122"/>
+            </a:endParaRPr>
+          </a:p>
+        </p:txBody>
+      </p:sp>
+      <p:sp>
+        <p:nvSpPr>
+          <p:cNvPr id="2" name="矩形: 圆角 1">
+            <a:extLst>
+              <a:ext uri="{FF2B5EF4-FFF2-40B4-BE49-F238E27FC236}">
+                <a16:creationId xmlns:a16="http://schemas.microsoft.com/office/drawing/2014/main" id="{197D699B-41F6-0662-DC8E-8A2DCA9B6AC8}"/>
+              </a:ext>
+            </a:extLst>
+          </p:cNvPr>
+          <p:cNvSpPr/>
+          <p:nvPr/>
+        </p:nvSpPr>
+        <p:spPr>
+          <a:xfrm>
+            <a:off x="4148964" y="2637322"/>
+            <a:ext cx="3722049" cy="1118890"/>
+          </a:xfrm>
+          <a:prstGeom prst="roundRect">
+            <a:avLst>
+              <a:gd name="adj" fmla="val 9328"/>
+            </a:avLst>
+          </a:prstGeom>
+        </p:spPr>
+        <p:style>
+          <a:lnRef idx="2">
+            <a:schemeClr val="accent2">
+              <a:shade val="15000"/>
+            </a:schemeClr>
+          </a:lnRef>
+          <a:fillRef idx="1">
+            <a:schemeClr val="accent2"/>
+          </a:fillRef>
+          <a:effectRef idx="0">
+            <a:schemeClr val="accent2"/>
+          </a:effectRef>
+          <a:fontRef idx="minor">
+            <a:schemeClr val="lt1"/>
+          </a:fontRef>
+        </p:style>
+        <p:txBody>
+          <a:bodyPr rtlCol="0" anchor="ctr"/>
+          <a:lstStyle/>
+          <a:p>
+            <a:pPr algn="ctr"/>
+            <a:r>
+              <a:rPr lang="en-US" altLang="zh-CN" sz="2400" dirty="0"/>
+              <a:t>BFN</a:t>
+            </a:r>
+            <a:endParaRPr lang="zh-CN" altLang="en-US" sz="2400" dirty="0"/>
+          </a:p>
+        </p:txBody>
+      </p:sp>
+    </p:spTree>
+    <p:extLst>
+      <p:ext uri="{BB962C8B-B14F-4D97-AF65-F5344CB8AC3E}">
+        <p14:creationId xmlns:p14="http://schemas.microsoft.com/office/powerpoint/2010/main" val="2429195442"/>
+      </p:ext>
+    </p:extLst>
+  </p:cSld>
+  <p:clrMapOvr>
+    <a:masterClrMapping/>
+  </p:clrMapOvr>
+  <mc:AlternateContent xmlns:mc="http://schemas.openxmlformats.org/markup-compatibility/2006">
+    <mc:Choice xmlns:p14="http://schemas.microsoft.com/office/powerpoint/2010/main" Requires="p14">
+      <p:transition spd="slow" p14:dur="2000" advClick="0" advTm="0"/>
+    </mc:Choice>
+    <mc:Fallback>
+      <p:transition spd="slow" advClick="0" advTm="0"/>
+    </mc:Fallback>
+  </mc:AlternateContent>
+  <p:timing>
+    <p:tnLst>
+      <p:par>
+        <p:cTn id="1" dur="indefinite" restart="never" nodeType="tmRoot">
+          <p:childTnLst>
+            <p:seq concurrent="1" nextAc="seek">
+              <p:cTn id="2" dur="indefinite" nodeType="mainSeq">
+                <p:childTnLst>
+                  <p:par>
+                    <p:cTn id="3" fill="hold">
+                      <p:stCondLst>
+                        <p:cond delay="indefinite"/>
+                      </p:stCondLst>
+                      <p:childTnLst>
+                        <p:par>
+                          <p:cTn id="4" fill="hold">
+                            <p:stCondLst>
+                              <p:cond delay="0"/>
+                            </p:stCondLst>
+                            <p:childTnLst>
+                              <p:par>
+                                <p:cTn id="5" presetID="14" presetClass="exit" presetSubtype="10" fill="hold" grpId="0" nodeType="clickEffect">
+                                  <p:stCondLst>
+                                    <p:cond delay="0"/>
+                                  </p:stCondLst>
+                                  <p:childTnLst>
+                                    <p:animEffect transition="out" filter="randombar(horizontal)">
+                                      <p:cBhvr>
+                                        <p:cTn id="6" dur="500"/>
+                                        <p:tgtEl>
+                                          <p:spTgt spid="2"/>
+                                        </p:tgtEl>
+                                      </p:cBhvr>
+                                    </p:animEffect>
+                                    <p:set>
+                                      <p:cBhvr>
+                                        <p:cTn id="7" dur="1" fill="hold">
+                                          <p:stCondLst>
+                                            <p:cond delay="499"/>
+                                          </p:stCondLst>
+                                        </p:cTn>
+                                        <p:tgtEl>
+                                          <p:spTgt spid="2"/>
+                                        </p:tgtEl>
+                                        <p:attrNameLst>
+                                          <p:attrName>style.visibility</p:attrName>
+                                        </p:attrNameLst>
+                                      </p:cBhvr>
+                                      <p:to>
+                                        <p:strVal val="hidden"/>
+                                      </p:to>
+                                    </p:set>
+                                  </p:childTnLst>
+                                </p:cTn>
+                              </p:par>
+                            </p:childTnLst>
+                          </p:cTn>
+                        </p:par>
+                      </p:childTnLst>
+                    </p:cTn>
+                  </p:par>
+                  <p:par>
+                    <p:cTn id="8" fill="hold">
+                      <p:stCondLst>
+                        <p:cond delay="indefinite"/>
+                      </p:stCondLst>
+                      <p:childTnLst>
+                        <p:par>
+                          <p:cTn id="9" fill="hold">
+                            <p:stCondLst>
+                              <p:cond delay="0"/>
+                            </p:stCondLst>
+                            <p:childTnLst>
+                              <p:par>
+                                <p:cTn id="10" presetID="22" presetClass="entr" presetSubtype="4" fill="hold" grpId="0" nodeType="clickEffect">
+                                  <p:stCondLst>
+                                    <p:cond delay="0"/>
+                                  </p:stCondLst>
+                                  <p:childTnLst>
+                                    <p:set>
+                                      <p:cBhvr>
+                                        <p:cTn id="11" dur="1" fill="hold">
+                                          <p:stCondLst>
+                                            <p:cond delay="0"/>
+                                          </p:stCondLst>
+                                        </p:cTn>
+                                        <p:tgtEl>
+                                          <p:spTgt spid="5"/>
+                                        </p:tgtEl>
+                                        <p:attrNameLst>
+                                          <p:attrName>style.visibility</p:attrName>
+                                        </p:attrNameLst>
+                                      </p:cBhvr>
+                                      <p:to>
+                                        <p:strVal val="visible"/>
+                                      </p:to>
+                                    </p:set>
+                                    <p:animEffect transition="in" filter="wipe(down)">
+                                      <p:cBhvr>
+                                        <p:cTn id="12" dur="500"/>
+                                        <p:tgtEl>
+                                          <p:spTgt spid="5"/>
+                                        </p:tgtEl>
+                                      </p:cBhvr>
+                                    </p:animEffect>
+                                  </p:childTnLst>
+                                </p:cTn>
+                              </p:par>
+                            </p:childTnLst>
+                          </p:cTn>
+                        </p:par>
+                      </p:childTnLst>
+                    </p:cTn>
+                  </p:par>
+                </p:childTnLst>
+              </p:cTn>
+              <p:prevCondLst>
+                <p:cond evt="onPrev" delay="0">
+                  <p:tgtEl>
+                    <p:sldTgt/>
+                  </p:tgtEl>
+                </p:cond>
+              </p:prevCondLst>
+              <p:nextCondLst>
+                <p:cond evt="onNext" delay="0">
+                  <p:tgtEl>
+                    <p:sldTgt/>
+                  </p:tgtEl>
+                </p:cond>
+              </p:nextCondLst>
+            </p:seq>
+          </p:childTnLst>
+        </p:cTn>
+      </p:par>
+    </p:tnLst>
+    <p:bldLst>
+      <p:bldP spid="5" grpId="0"/>
+      <p:bldP spid="2" grpId="0" animBg="1"/>
+    </p:bldLst>
+  </p:timing>
+</p:sld>
+</file>
+
+<file path=ppt/slides/slide23.xml><?xml version="1.0" encoding="utf-8"?>
+<p:sld xmlns:a="http://schemas.openxmlformats.org/drawingml/2006/main" xmlns:r="http://schemas.openxmlformats.org/officeDocument/2006/relationships" xmlns:p="http://schemas.openxmlformats.org/presentationml/2006/main">
+  <p:cSld>
+    <p:spTree>
+      <p:nvGrpSpPr>
+        <p:cNvPr id="1" name="">
+          <a:extLst>
+            <a:ext uri="{FF2B5EF4-FFF2-40B4-BE49-F238E27FC236}">
+              <a16:creationId xmlns:a16="http://schemas.microsoft.com/office/drawing/2014/main" id="{EF4E062F-1DD2-3078-61CD-D00421F54B70}"/>
+            </a:ext>
+          </a:extLst>
+        </p:cNvPr>
+        <p:cNvGrpSpPr/>
+        <p:nvPr/>
+      </p:nvGrpSpPr>
+      <p:grpSpPr>
+        <a:xfrm>
+          <a:off x="0" y="0"/>
+          <a:ext cx="0" cy="0"/>
+          <a:chOff x="0" y="0"/>
+          <a:chExt cx="0" cy="0"/>
+        </a:xfrm>
+      </p:grpSpPr>
+      <p:pic>
+        <p:nvPicPr>
+          <p:cNvPr id="4" name="图片 3">
+            <a:extLst>
+              <a:ext uri="{FF2B5EF4-FFF2-40B4-BE49-F238E27FC236}">
+                <a16:creationId xmlns:a16="http://schemas.microsoft.com/office/drawing/2014/main" id="{366C9A97-390E-2D14-7F97-FCDAF0B8B21F}"/>
+              </a:ext>
+            </a:extLst>
+          </p:cNvPr>
+          <p:cNvPicPr>
+            <a:picLocks noChangeAspect="1"/>
+          </p:cNvPicPr>
+          <p:nvPr/>
+        </p:nvPicPr>
+        <p:blipFill>
+          <a:blip r:embed="rId2">
+            <a:extLst>
+              <a:ext uri="{28A0092B-C50C-407E-A947-70E740481C1C}">
+                <a14:useLocalDpi xmlns:a14="http://schemas.microsoft.com/office/drawing/2010/main" val="0"/>
+              </a:ext>
+            </a:extLst>
+          </a:blip>
+          <a:stretch>
+            <a:fillRect/>
+          </a:stretch>
+        </p:blipFill>
+        <p:spPr>
+          <a:xfrm>
+            <a:off x="2079811" y="1237664"/>
+            <a:ext cx="8650941" cy="4778969"/>
+          </a:xfrm>
+          <a:prstGeom prst="rect">
+            <a:avLst/>
+          </a:prstGeom>
+        </p:spPr>
+      </p:pic>
+      <p:sp>
+        <p:nvSpPr>
+          <p:cNvPr id="5" name="文本框 4">
+            <a:extLst>
+              <a:ext uri="{FF2B5EF4-FFF2-40B4-BE49-F238E27FC236}">
+                <a16:creationId xmlns:a16="http://schemas.microsoft.com/office/drawing/2014/main" id="{2C993164-15B2-8BBE-506A-A82CB316653F}"/>
+              </a:ext>
+            </a:extLst>
+          </p:cNvPr>
+          <p:cNvSpPr txBox="1"/>
+          <p:nvPr/>
+        </p:nvSpPr>
+        <p:spPr>
+          <a:xfrm>
+            <a:off x="4616713" y="382241"/>
+            <a:ext cx="2496356" cy="584775"/>
+          </a:xfrm>
+          <a:prstGeom prst="rect">
+            <a:avLst/>
+          </a:prstGeom>
+          <a:noFill/>
+        </p:spPr>
+        <p:txBody>
+          <a:bodyPr wrap="square" rtlCol="0">
+            <a:spAutoFit/>
+          </a:bodyPr>
+          <a:lstStyle/>
+          <a:p>
+            <a:pPr algn="ctr"/>
+            <a:r>
+              <a:rPr lang="en-US" altLang="zh-CN" sz="3200" dirty="0" err="1">
+                <a:latin typeface="Noto Sans JP Black" panose="020B0200000000000000" pitchFamily="34" charset="-122"/>
+                <a:ea typeface="Noto Sans JP Black" panose="020B0200000000000000" pitchFamily="34" charset="-122"/>
+              </a:rPr>
+              <a:t>ProfileBFN</a:t>
+            </a:r>
+            <a:endParaRPr lang="zh-CN" altLang="en-US" sz="3200" dirty="0">
+              <a:latin typeface="Noto Sans JP Black" panose="020B0200000000000000" pitchFamily="34" charset="-122"/>
+              <a:ea typeface="Noto Sans JP Black" panose="020B0200000000000000" pitchFamily="34" charset="-122"/>
+            </a:endParaRPr>
+          </a:p>
+        </p:txBody>
+      </p:sp>
+    </p:spTree>
+    <p:extLst>
+      <p:ext uri="{BB962C8B-B14F-4D97-AF65-F5344CB8AC3E}">
+        <p14:creationId xmlns:p14="http://schemas.microsoft.com/office/powerpoint/2010/main" val="1188494152"/>
+      </p:ext>
+    </p:extLst>
+  </p:cSld>
+  <p:clrMapOvr>
+    <a:masterClrMapping/>
+  </p:clrMapOvr>
+  <mc:AlternateContent xmlns:mc="http://schemas.openxmlformats.org/markup-compatibility/2006">
+    <mc:Choice xmlns:p14="http://schemas.microsoft.com/office/powerpoint/2010/main" Requires="p14">
+      <p:transition spd="slow" p14:dur="2000" advClick="0" advTm="2000"/>
+    </mc:Choice>
+    <mc:Fallback>
+      <p:transition spd="slow" advClick="0" advTm="2000"/>
+    </mc:Fallback>
+  </mc:AlternateContent>
+</p:sld>
+</file>
+
+<file path=ppt/slides/slide24.xml><?xml version="1.0" encoding="utf-8"?>
+<p:sld xmlns:a="http://schemas.openxmlformats.org/drawingml/2006/main" xmlns:r="http://schemas.openxmlformats.org/officeDocument/2006/relationships" xmlns:p="http://schemas.openxmlformats.org/presentationml/2006/main">
+  <p:cSld>
+    <p:spTree>
+      <p:nvGrpSpPr>
+        <p:cNvPr id="1" name="">
+          <a:extLst>
+            <a:ext uri="{FF2B5EF4-FFF2-40B4-BE49-F238E27FC236}">
+              <a16:creationId xmlns:a16="http://schemas.microsoft.com/office/drawing/2014/main" id="{1B617F2F-238F-B8F5-78B1-53DAF939652D}"/>
+            </a:ext>
+          </a:extLst>
+        </p:cNvPr>
+        <p:cNvGrpSpPr/>
+        <p:nvPr/>
+      </p:nvGrpSpPr>
+      <p:grpSpPr>
+        <a:xfrm>
+          <a:off x="0" y="0"/>
+          <a:ext cx="0" cy="0"/>
+          <a:chOff x="0" y="0"/>
+          <a:chExt cx="0" cy="0"/>
+        </a:xfrm>
+      </p:grpSpPr>
+      <p:pic>
+        <p:nvPicPr>
+          <p:cNvPr id="4" name="图片 3">
+            <a:extLst>
+              <a:ext uri="{FF2B5EF4-FFF2-40B4-BE49-F238E27FC236}">
+                <a16:creationId xmlns:a16="http://schemas.microsoft.com/office/drawing/2014/main" id="{D656B016-CD76-5DCA-68A7-753FFCAA14F3}"/>
+              </a:ext>
+            </a:extLst>
+          </p:cNvPr>
+          <p:cNvPicPr>
+            <a:picLocks noChangeAspect="1"/>
+          </p:cNvPicPr>
+          <p:nvPr/>
+        </p:nvPicPr>
+        <p:blipFill>
+          <a:blip r:embed="rId2">
+            <a:extLst>
+              <a:ext uri="{28A0092B-C50C-407E-A947-70E740481C1C}">
+                <a14:useLocalDpi xmlns:a14="http://schemas.microsoft.com/office/drawing/2010/main" val="0"/>
+              </a:ext>
+            </a:extLst>
+          </a:blip>
+          <a:stretch>
+            <a:fillRect/>
+          </a:stretch>
+        </p:blipFill>
+        <p:spPr>
+          <a:xfrm>
+            <a:off x="2079811" y="1237664"/>
+            <a:ext cx="8650941" cy="4778969"/>
+          </a:xfrm>
+          <a:prstGeom prst="rect">
+            <a:avLst/>
+          </a:prstGeom>
+        </p:spPr>
+      </p:pic>
+      <p:sp>
+        <p:nvSpPr>
+          <p:cNvPr id="5" name="文本框 4">
+            <a:extLst>
+              <a:ext uri="{FF2B5EF4-FFF2-40B4-BE49-F238E27FC236}">
+                <a16:creationId xmlns:a16="http://schemas.microsoft.com/office/drawing/2014/main" id="{68156760-1AB2-B066-1C97-1FFAEC3BC1C6}"/>
+              </a:ext>
+            </a:extLst>
+          </p:cNvPr>
+          <p:cNvSpPr txBox="1"/>
+          <p:nvPr/>
+        </p:nvSpPr>
+        <p:spPr>
+          <a:xfrm>
+            <a:off x="4616713" y="382241"/>
+            <a:ext cx="2496356" cy="584775"/>
+          </a:xfrm>
+          <a:prstGeom prst="rect">
+            <a:avLst/>
+          </a:prstGeom>
+          <a:noFill/>
+        </p:spPr>
+        <p:txBody>
+          <a:bodyPr wrap="square" rtlCol="0">
+            <a:spAutoFit/>
+          </a:bodyPr>
+          <a:lstStyle/>
+          <a:p>
+            <a:pPr algn="ctr"/>
+            <a:r>
+              <a:rPr lang="en-US" altLang="zh-CN" sz="3200" dirty="0" err="1">
+                <a:latin typeface="Noto Sans JP Black" panose="020B0200000000000000" pitchFamily="34" charset="-122"/>
+                <a:ea typeface="Noto Sans JP Black" panose="020B0200000000000000" pitchFamily="34" charset="-122"/>
+              </a:rPr>
+              <a:t>ProfileBFN</a:t>
+            </a:r>
+            <a:endParaRPr lang="zh-CN" altLang="en-US" sz="3200" dirty="0">
+              <a:latin typeface="Noto Sans JP Black" panose="020B0200000000000000" pitchFamily="34" charset="-122"/>
+              <a:ea typeface="Noto Sans JP Black" panose="020B0200000000000000" pitchFamily="34" charset="-122"/>
+            </a:endParaRPr>
+          </a:p>
+        </p:txBody>
+      </p:sp>
+    </p:spTree>
+    <p:extLst>
+      <p:ext uri="{BB962C8B-B14F-4D97-AF65-F5344CB8AC3E}">
+        <p14:creationId xmlns:p14="http://schemas.microsoft.com/office/powerpoint/2010/main" val="2432469616"/>
+      </p:ext>
+    </p:extLst>
+  </p:cSld>
+  <p:clrMapOvr>
+    <a:masterClrMapping/>
+  </p:clrMapOvr>
+  <mc:AlternateContent xmlns:mc="http://schemas.openxmlformats.org/markup-compatibility/2006">
+    <mc:Choice xmlns:p14="http://schemas.microsoft.com/office/powerpoint/2010/main" Requires="p14">
+      <p:transition spd="slow" p14:dur="2000" advClick="0" advTm="2000"/>
+    </mc:Choice>
+    <mc:Fallback>
+      <p:transition spd="slow" advClick="0" advTm="2000"/>
+    </mc:Fallback>
+  </mc:AlternateContent>
+</p:sld>
+</file>
+
+<file path=ppt/slides/slide25.xml><?xml version="1.0" encoding="utf-8"?>
+<p:sld xmlns:a="http://schemas.openxmlformats.org/drawingml/2006/main" xmlns:r="http://schemas.openxmlformats.org/officeDocument/2006/relationships" xmlns:p="http://schemas.openxmlformats.org/presentationml/2006/main">
+  <p:cSld>
+    <p:spTree>
+      <p:nvGrpSpPr>
+        <p:cNvPr id="1" name="">
+          <a:extLst>
+            <a:ext uri="{FF2B5EF4-FFF2-40B4-BE49-F238E27FC236}">
+              <a16:creationId xmlns:a16="http://schemas.microsoft.com/office/drawing/2014/main" id="{C8775EDD-8C9D-3017-F896-C92E1B82F0A5}"/>
+            </a:ext>
+          </a:extLst>
+        </p:cNvPr>
+        <p:cNvGrpSpPr/>
+        <p:nvPr/>
+      </p:nvGrpSpPr>
+      <p:grpSpPr>
+        <a:xfrm>
+          <a:off x="0" y="0"/>
+          <a:ext cx="0" cy="0"/>
+          <a:chOff x="0" y="0"/>
+          <a:chExt cx="0" cy="0"/>
+        </a:xfrm>
+      </p:grpSpPr>
+      <p:pic>
+        <p:nvPicPr>
+          <p:cNvPr id="4" name="图片 3">
+            <a:extLst>
+              <a:ext uri="{FF2B5EF4-FFF2-40B4-BE49-F238E27FC236}">
+                <a16:creationId xmlns:a16="http://schemas.microsoft.com/office/drawing/2014/main" id="{09A93367-C9AC-D35B-E6DC-5BD5CA552F24}"/>
+              </a:ext>
+            </a:extLst>
+          </p:cNvPr>
+          <p:cNvPicPr>
+            <a:picLocks noChangeAspect="1"/>
+          </p:cNvPicPr>
+          <p:nvPr/>
+        </p:nvPicPr>
+        <p:blipFill>
+          <a:blip r:embed="rId2">
+            <a:extLst>
+              <a:ext uri="{28A0092B-C50C-407E-A947-70E740481C1C}">
+                <a14:useLocalDpi xmlns:a14="http://schemas.microsoft.com/office/drawing/2010/main" val="0"/>
+              </a:ext>
+            </a:extLst>
+          </a:blip>
+          <a:stretch>
+            <a:fillRect/>
+          </a:stretch>
+        </p:blipFill>
+        <p:spPr>
+          <a:xfrm>
+            <a:off x="2079811" y="1237664"/>
+            <a:ext cx="8650941" cy="4778969"/>
+          </a:xfrm>
+          <a:prstGeom prst="rect">
+            <a:avLst/>
+          </a:prstGeom>
+        </p:spPr>
+      </p:pic>
+      <p:sp>
+        <p:nvSpPr>
+          <p:cNvPr id="3" name="矩形: 圆角 2">
+            <a:extLst>
+              <a:ext uri="{FF2B5EF4-FFF2-40B4-BE49-F238E27FC236}">
+                <a16:creationId xmlns:a16="http://schemas.microsoft.com/office/drawing/2014/main" id="{8740F94F-0F85-3094-A212-646E237BBCBC}"/>
+              </a:ext>
+            </a:extLst>
+          </p:cNvPr>
+          <p:cNvSpPr/>
+          <p:nvPr/>
+        </p:nvSpPr>
+        <p:spPr>
+          <a:xfrm>
+            <a:off x="4148964" y="2637322"/>
+            <a:ext cx="3722049" cy="1118890"/>
+          </a:xfrm>
+          <a:prstGeom prst="roundRect">
+            <a:avLst>
+              <a:gd name="adj" fmla="val 9328"/>
+            </a:avLst>
+          </a:prstGeom>
+        </p:spPr>
+        <p:style>
+          <a:lnRef idx="2">
+            <a:schemeClr val="accent2">
+              <a:shade val="15000"/>
+            </a:schemeClr>
+          </a:lnRef>
+          <a:fillRef idx="1">
+            <a:schemeClr val="accent2"/>
+          </a:fillRef>
+          <a:effectRef idx="0">
+            <a:schemeClr val="accent2"/>
+          </a:effectRef>
+          <a:fontRef idx="minor">
+            <a:schemeClr val="lt1"/>
+          </a:fontRef>
+        </p:style>
+        <p:txBody>
+          <a:bodyPr rtlCol="0" anchor="ctr"/>
+          <a:lstStyle/>
+          <a:p>
+            <a:pPr algn="ctr"/>
+            <a:r>
+              <a:rPr lang="en-US" altLang="zh-CN" sz="2400" dirty="0"/>
+              <a:t>BFN</a:t>
+            </a:r>
+            <a:endParaRPr lang="zh-CN" altLang="en-US" sz="2400" dirty="0"/>
+          </a:p>
+        </p:txBody>
+      </p:sp>
+      <p:sp>
+        <p:nvSpPr>
+          <p:cNvPr id="6" name="文本框 5">
+            <a:extLst>
+              <a:ext uri="{FF2B5EF4-FFF2-40B4-BE49-F238E27FC236}">
+                <a16:creationId xmlns:a16="http://schemas.microsoft.com/office/drawing/2014/main" id="{B01AEBE4-B829-ECC6-33F9-AA6744D59182}"/>
+              </a:ext>
+            </a:extLst>
+          </p:cNvPr>
+          <p:cNvSpPr txBox="1"/>
+          <p:nvPr/>
+        </p:nvSpPr>
+        <p:spPr>
+          <a:xfrm>
+            <a:off x="4616713" y="382241"/>
+            <a:ext cx="2496356" cy="584775"/>
+          </a:xfrm>
+          <a:prstGeom prst="rect">
+            <a:avLst/>
+          </a:prstGeom>
+          <a:noFill/>
+        </p:spPr>
+        <p:txBody>
+          <a:bodyPr wrap="square" rtlCol="0">
+            <a:spAutoFit/>
+          </a:bodyPr>
+          <a:lstStyle/>
+          <a:p>
+            <a:pPr algn="ctr"/>
+            <a:r>
+              <a:rPr lang="en-US" altLang="zh-CN" sz="3200" dirty="0" err="1">
+                <a:latin typeface="Noto Sans JP Black" panose="020B0200000000000000" pitchFamily="34" charset="-122"/>
+                <a:ea typeface="Noto Sans JP Black" panose="020B0200000000000000" pitchFamily="34" charset="-122"/>
+              </a:rPr>
+              <a:t>ProfileBFN</a:t>
+            </a:r>
+            <a:endParaRPr lang="zh-CN" altLang="en-US" sz="3200" dirty="0">
+              <a:latin typeface="Noto Sans JP Black" panose="020B0200000000000000" pitchFamily="34" charset="-122"/>
+              <a:ea typeface="Noto Sans JP Black" panose="020B0200000000000000" pitchFamily="34" charset="-122"/>
+            </a:endParaRPr>
+          </a:p>
+        </p:txBody>
+      </p:sp>
+    </p:spTree>
+    <p:extLst>
+      <p:ext uri="{BB962C8B-B14F-4D97-AF65-F5344CB8AC3E}">
+        <p14:creationId xmlns:p14="http://schemas.microsoft.com/office/powerpoint/2010/main" val="1086766692"/>
+      </p:ext>
+    </p:extLst>
+  </p:cSld>
+  <p:clrMapOvr>
+    <a:masterClrMapping/>
+  </p:clrMapOvr>
+  <mc:AlternateContent xmlns:mc="http://schemas.openxmlformats.org/markup-compatibility/2006">
+    <mc:Choice xmlns:p14="http://schemas.microsoft.com/office/powerpoint/2010/main" Requires="p14">
+      <p:transition spd="slow" p14:dur="2000" advClick="0" advTm="0"/>
+    </mc:Choice>
+    <mc:Fallback>
+      <p:transition spd="slow" advClick="0" advTm="0"/>
+    </mc:Fallback>
+  </mc:AlternateContent>
+  <p:timing>
+    <p:tnLst>
+      <p:par>
+        <p:cTn id="1" dur="indefinite" restart="never" nodeType="tmRoot">
+          <p:childTnLst>
+            <p:seq concurrent="1" nextAc="seek">
+              <p:cTn id="2" dur="indefinite" nodeType="mainSeq">
+                <p:childTnLst>
+                  <p:par>
+                    <p:cTn id="3" fill="hold">
+                      <p:stCondLst>
+                        <p:cond delay="indefinite"/>
+                      </p:stCondLst>
+                      <p:childTnLst>
+                        <p:par>
+                          <p:cTn id="4" fill="hold">
+                            <p:stCondLst>
+                              <p:cond delay="0"/>
+                            </p:stCondLst>
+                            <p:childTnLst>
+                              <p:par>
+                                <p:cTn id="5" presetID="53" presetClass="entr" presetSubtype="16" fill="hold" grpId="0" nodeType="clickEffect">
+                                  <p:stCondLst>
+                                    <p:cond delay="0"/>
+                                  </p:stCondLst>
+                                  <p:childTnLst>
+                                    <p:set>
+                                      <p:cBhvr>
+                                        <p:cTn id="6" dur="1" fill="hold">
+                                          <p:stCondLst>
+                                            <p:cond delay="0"/>
+                                          </p:stCondLst>
+                                        </p:cTn>
+                                        <p:tgtEl>
+                                          <p:spTgt spid="3"/>
+                                        </p:tgtEl>
+                                        <p:attrNameLst>
+                                          <p:attrName>style.visibility</p:attrName>
+                                        </p:attrNameLst>
+                                      </p:cBhvr>
+                                      <p:to>
+                                        <p:strVal val="visible"/>
+                                      </p:to>
+                                    </p:set>
+                                    <p:anim calcmode="lin" valueType="num">
+                                      <p:cBhvr>
+                                        <p:cTn id="7" dur="500" fill="hold"/>
+                                        <p:tgtEl>
+                                          <p:spTgt spid="3"/>
+                                        </p:tgtEl>
+                                        <p:attrNameLst>
+                                          <p:attrName>ppt_w</p:attrName>
+                                        </p:attrNameLst>
+                                      </p:cBhvr>
+                                      <p:tavLst>
+                                        <p:tav tm="0">
+                                          <p:val>
+                                            <p:fltVal val="0"/>
+                                          </p:val>
+                                        </p:tav>
+                                        <p:tav tm="100000">
+                                          <p:val>
+                                            <p:strVal val="#ppt_w"/>
+                                          </p:val>
+                                        </p:tav>
+                                      </p:tavLst>
+                                    </p:anim>
+                                    <p:anim calcmode="lin" valueType="num">
+                                      <p:cBhvr>
+                                        <p:cTn id="8" dur="500" fill="hold"/>
+                                        <p:tgtEl>
+                                          <p:spTgt spid="3"/>
+                                        </p:tgtEl>
+                                        <p:attrNameLst>
+                                          <p:attrName>ppt_h</p:attrName>
+                                        </p:attrNameLst>
+                                      </p:cBhvr>
+                                      <p:tavLst>
+                                        <p:tav tm="0">
+                                          <p:val>
+                                            <p:fltVal val="0"/>
+                                          </p:val>
+                                        </p:tav>
+                                        <p:tav tm="100000">
+                                          <p:val>
+                                            <p:strVal val="#ppt_h"/>
+                                          </p:val>
+                                        </p:tav>
+                                      </p:tavLst>
+                                    </p:anim>
+                                    <p:animEffect transition="in" filter="fade">
+                                      <p:cBhvr>
+                                        <p:cTn id="9" dur="500"/>
+                                        <p:tgtEl>
+                                          <p:spTgt spid="3"/>
+                                        </p:tgtEl>
+                                      </p:cBhvr>
+                                    </p:animEffect>
+                                  </p:childTnLst>
+                                </p:cTn>
+                              </p:par>
+                            </p:childTnLst>
+                          </p:cTn>
+                        </p:par>
+                      </p:childTnLst>
+                    </p:cTn>
+                  </p:par>
+                  <p:par>
+                    <p:cTn id="10" fill="hold">
+                      <p:stCondLst>
+                        <p:cond delay="indefinite"/>
+                      </p:stCondLst>
+                      <p:childTnLst>
+                        <p:par>
+                          <p:cTn id="11" fill="hold">
+                            <p:stCondLst>
+                              <p:cond delay="0"/>
+                            </p:stCondLst>
+                            <p:childTnLst>
+                              <p:par>
+                                <p:cTn id="12" presetID="14" presetClass="exit" presetSubtype="10" fill="hold" nodeType="clickEffect">
+                                  <p:stCondLst>
+                                    <p:cond delay="0"/>
+                                  </p:stCondLst>
+                                  <p:childTnLst>
+                                    <p:animEffect transition="out" filter="randombar(horizontal)">
+                                      <p:cBhvr>
+                                        <p:cTn id="13" dur="500"/>
+                                        <p:tgtEl>
+                                          <p:spTgt spid="4"/>
+                                        </p:tgtEl>
+                                      </p:cBhvr>
+                                    </p:animEffect>
+                                    <p:set>
+                                      <p:cBhvr>
+                                        <p:cTn id="14" dur="1" fill="hold">
+                                          <p:stCondLst>
+                                            <p:cond delay="499"/>
+                                          </p:stCondLst>
+                                        </p:cTn>
+                                        <p:tgtEl>
+                                          <p:spTgt spid="4"/>
+                                        </p:tgtEl>
+                                        <p:attrNameLst>
+                                          <p:attrName>style.visibility</p:attrName>
+                                        </p:attrNameLst>
+                                      </p:cBhvr>
+                                      <p:to>
+                                        <p:strVal val="hidden"/>
+                                      </p:to>
+                                    </p:set>
+                                  </p:childTnLst>
+                                </p:cTn>
+                              </p:par>
+                              <p:par>
+                                <p:cTn id="15" presetID="14" presetClass="exit" presetSubtype="10" fill="hold" grpId="0" nodeType="withEffect">
+                                  <p:stCondLst>
+                                    <p:cond delay="0"/>
+                                  </p:stCondLst>
+                                  <p:childTnLst>
+                                    <p:animEffect transition="out" filter="randombar(horizontal)">
+                                      <p:cBhvr>
+                                        <p:cTn id="16" dur="500"/>
+                                        <p:tgtEl>
+                                          <p:spTgt spid="6"/>
+                                        </p:tgtEl>
+                                      </p:cBhvr>
+                                    </p:animEffect>
+                                    <p:set>
+                                      <p:cBhvr>
+                                        <p:cTn id="17" dur="1" fill="hold">
+                                          <p:stCondLst>
+                                            <p:cond delay="499"/>
+                                          </p:stCondLst>
+                                        </p:cTn>
+                                        <p:tgtEl>
+                                          <p:spTgt spid="6"/>
+                                        </p:tgtEl>
+                                        <p:attrNameLst>
+                                          <p:attrName>style.visibility</p:attrName>
+                                        </p:attrNameLst>
+                                      </p:cBhvr>
+                                      <p:to>
+                                        <p:strVal val="hidden"/>
+                                      </p:to>
+                                    </p:set>
+                                  </p:childTnLst>
+                                </p:cTn>
+                              </p:par>
+                            </p:childTnLst>
+                          </p:cTn>
+                        </p:par>
+                      </p:childTnLst>
+                    </p:cTn>
+                  </p:par>
+                </p:childTnLst>
+              </p:cTn>
+              <p:prevCondLst>
+                <p:cond evt="onPrev" delay="0">
+                  <p:tgtEl>
+                    <p:sldTgt/>
+                  </p:tgtEl>
+                </p:cond>
+              </p:prevCondLst>
+              <p:nextCondLst>
+                <p:cond evt="onNext" delay="0">
+                  <p:tgtEl>
+                    <p:sldTgt/>
+                  </p:tgtEl>
+                </p:cond>
+              </p:nextCondLst>
+            </p:seq>
+          </p:childTnLst>
+        </p:cTn>
+      </p:par>
+    </p:tnLst>
+    <p:bldLst>
+      <p:bldP spid="3" grpId="0" animBg="1"/>
+      <p:bldP spid="6" grpId="0"/>
+    </p:bldLst>
+  </p:timing>
+</p:sld>
+</file>
+
+<file path=ppt/slides/slide26.xml><?xml version="1.0" encoding="utf-8"?>
+<p:sld xmlns:a="http://schemas.openxmlformats.org/drawingml/2006/main" xmlns:r="http://schemas.openxmlformats.org/officeDocument/2006/relationships" xmlns:p="http://schemas.openxmlformats.org/presentationml/2006/main">
+  <p:cSld>
+    <p:spTree>
+      <p:nvGrpSpPr>
+        <p:cNvPr id="1" name="">
+          <a:extLst>
+            <a:ext uri="{FF2B5EF4-FFF2-40B4-BE49-F238E27FC236}">
+              <a16:creationId xmlns:a16="http://schemas.microsoft.com/office/drawing/2014/main" id="{32EC48F7-88DA-B65B-E2E4-96C25585D865}"/>
+            </a:ext>
+          </a:extLst>
+        </p:cNvPr>
+        <p:cNvGrpSpPr/>
+        <p:nvPr/>
+      </p:nvGrpSpPr>
+      <p:grpSpPr>
+        <a:xfrm>
+          <a:off x="0" y="0"/>
+          <a:ext cx="0" cy="0"/>
+          <a:chOff x="0" y="0"/>
+          <a:chExt cx="0" cy="0"/>
+        </a:xfrm>
+      </p:grpSpPr>
+      <p:sp>
+        <p:nvSpPr>
+          <p:cNvPr id="3" name="矩形: 圆角 2">
+            <a:extLst>
+              <a:ext uri="{FF2B5EF4-FFF2-40B4-BE49-F238E27FC236}">
+                <a16:creationId xmlns:a16="http://schemas.microsoft.com/office/drawing/2014/main" id="{178E969B-7AE1-8FE5-11CC-498AAF7869BB}"/>
+              </a:ext>
+            </a:extLst>
+          </p:cNvPr>
+          <p:cNvSpPr/>
+          <p:nvPr/>
+        </p:nvSpPr>
+        <p:spPr>
+          <a:xfrm>
+            <a:off x="4148964" y="2637322"/>
+            <a:ext cx="3722049" cy="1118890"/>
+          </a:xfrm>
+          <a:prstGeom prst="roundRect">
+            <a:avLst>
+              <a:gd name="adj" fmla="val 9328"/>
+            </a:avLst>
+          </a:prstGeom>
+        </p:spPr>
+        <p:style>
+          <a:lnRef idx="2">
+            <a:schemeClr val="accent2">
+              <a:shade val="15000"/>
+            </a:schemeClr>
+          </a:lnRef>
+          <a:fillRef idx="1">
+            <a:schemeClr val="accent2"/>
+          </a:fillRef>
+          <a:effectRef idx="0">
+            <a:schemeClr val="accent2"/>
+          </a:effectRef>
+          <a:fontRef idx="minor">
+            <a:schemeClr val="lt1"/>
+          </a:fontRef>
+        </p:style>
+        <p:txBody>
+          <a:bodyPr rtlCol="0" anchor="ctr"/>
+          <a:lstStyle/>
+          <a:p>
+            <a:pPr algn="ctr"/>
+            <a:r>
+              <a:rPr lang="en-US" altLang="zh-CN" sz="2400" dirty="0"/>
+              <a:t>BFN</a:t>
+            </a:r>
+            <a:endParaRPr lang="zh-CN" altLang="en-US" sz="2400" dirty="0"/>
+          </a:p>
+        </p:txBody>
+      </p:sp>
+    </p:spTree>
+    <p:extLst>
+      <p:ext uri="{BB962C8B-B14F-4D97-AF65-F5344CB8AC3E}">
+        <p14:creationId xmlns:p14="http://schemas.microsoft.com/office/powerpoint/2010/main" val="2132901721"/>
+      </p:ext>
+    </p:extLst>
+  </p:cSld>
+  <p:clrMapOvr>
+    <a:masterClrMapping/>
+  </p:clrMapOvr>
+  <mc:AlternateContent xmlns:mc="http://schemas.openxmlformats.org/markup-compatibility/2006">
+    <mc:Choice xmlns:p14="http://schemas.microsoft.com/office/powerpoint/2010/main" Requires="p14">
+      <p:transition spd="slow" p14:dur="2000" advClick="0" advTm="0"/>
+    </mc:Choice>
+    <mc:Fallback>
+      <p:transition spd="slow" advClick="0" advTm="0"/>
+    </mc:Fallback>
+  </mc:AlternateContent>
+  <p:timing>
+    <p:tnLst>
+      <p:par>
+        <p:cTn id="1" dur="indefinite" restart="never" nodeType="tmRoot">
+          <p:childTnLst>
+            <p:seq concurrent="1" nextAc="seek">
+              <p:cTn id="2" dur="indefinite" nodeType="mainSeq">
+                <p:childTnLst>
+                  <p:par>
+                    <p:cTn id="3" fill="hold">
+                      <p:stCondLst>
+                        <p:cond delay="indefinite"/>
+                      </p:stCondLst>
+                      <p:childTnLst>
+                        <p:par>
+                          <p:cTn id="4" fill="hold">
+                            <p:stCondLst>
+                              <p:cond delay="0"/>
+                            </p:stCondLst>
+                            <p:childTnLst>
+                              <p:par>
+                                <p:cTn id="5" presetID="31" presetClass="exit" presetSubtype="0" fill="hold" grpId="0" nodeType="clickEffect">
+                                  <p:stCondLst>
+                                    <p:cond delay="0"/>
+                                  </p:stCondLst>
+                                  <p:childTnLst>
+                                    <p:anim calcmode="lin" valueType="num">
+                                      <p:cBhvr>
+                                        <p:cTn id="6" dur="1000"/>
+                                        <p:tgtEl>
+                                          <p:spTgt spid="3"/>
+                                        </p:tgtEl>
+                                        <p:attrNameLst>
+                                          <p:attrName>ppt_w</p:attrName>
+                                        </p:attrNameLst>
+                                      </p:cBhvr>
+                                      <p:tavLst>
+                                        <p:tav tm="0">
+                                          <p:val>
+                                            <p:strVal val="ppt_w"/>
+                                          </p:val>
+                                        </p:tav>
+                                        <p:tav tm="100000">
+                                          <p:val>
+                                            <p:fltVal val="0"/>
+                                          </p:val>
+                                        </p:tav>
+                                      </p:tavLst>
+                                    </p:anim>
+                                    <p:anim calcmode="lin" valueType="num">
+                                      <p:cBhvr>
+                                        <p:cTn id="7" dur="1000"/>
+                                        <p:tgtEl>
+                                          <p:spTgt spid="3"/>
+                                        </p:tgtEl>
+                                        <p:attrNameLst>
+                                          <p:attrName>ppt_h</p:attrName>
+                                        </p:attrNameLst>
+                                      </p:cBhvr>
+                                      <p:tavLst>
+                                        <p:tav tm="0">
+                                          <p:val>
+                                            <p:strVal val="ppt_h"/>
+                                          </p:val>
+                                        </p:tav>
+                                        <p:tav tm="100000">
+                                          <p:val>
+                                            <p:fltVal val="0"/>
+                                          </p:val>
+                                        </p:tav>
+                                      </p:tavLst>
+                                    </p:anim>
+                                    <p:anim calcmode="lin" valueType="num">
+                                      <p:cBhvr>
+                                        <p:cTn id="8" dur="1000"/>
+                                        <p:tgtEl>
+                                          <p:spTgt spid="3"/>
+                                        </p:tgtEl>
+                                        <p:attrNameLst>
+                                          <p:attrName>style.rotation</p:attrName>
+                                        </p:attrNameLst>
+                                      </p:cBhvr>
+                                      <p:tavLst>
+                                        <p:tav tm="0">
+                                          <p:val>
+                                            <p:fltVal val="0"/>
+                                          </p:val>
+                                        </p:tav>
+                                        <p:tav tm="100000">
+                                          <p:val>
+                                            <p:fltVal val="90"/>
+                                          </p:val>
+                                        </p:tav>
+                                      </p:tavLst>
+                                    </p:anim>
+                                    <p:animEffect transition="out" filter="fade">
+                                      <p:cBhvr>
+                                        <p:cTn id="9" dur="1000"/>
+                                        <p:tgtEl>
+                                          <p:spTgt spid="3"/>
+                                        </p:tgtEl>
+                                      </p:cBhvr>
+                                    </p:animEffect>
+                                    <p:set>
+                                      <p:cBhvr>
+                                        <p:cTn id="10" dur="1" fill="hold">
+                                          <p:stCondLst>
+                                            <p:cond delay="999"/>
+                                          </p:stCondLst>
+                                        </p:cTn>
+                                        <p:tgtEl>
+                                          <p:spTgt spid="3"/>
+                                        </p:tgtEl>
+                                        <p:attrNameLst>
+                                          <p:attrName>style.visibility</p:attrName>
+                                        </p:attrNameLst>
+                                      </p:cBhvr>
+                                      <p:to>
+                                        <p:strVal val="hidden"/>
+                                      </p:to>
+                                    </p:set>
+                                  </p:childTnLst>
+                                </p:cTn>
+                              </p:par>
+                            </p:childTnLst>
+                          </p:cTn>
+                        </p:par>
+                      </p:childTnLst>
+                    </p:cTn>
+                  </p:par>
+                </p:childTnLst>
+              </p:cTn>
+              <p:prevCondLst>
+                <p:cond evt="onPrev" delay="0">
+                  <p:tgtEl>
+                    <p:sldTgt/>
+                  </p:tgtEl>
+                </p:cond>
+              </p:prevCondLst>
+              <p:nextCondLst>
+                <p:cond evt="onNext" delay="0">
+                  <p:tgtEl>
+                    <p:sldTgt/>
+                  </p:tgtEl>
+                </p:cond>
+              </p:nextCondLst>
+            </p:seq>
+          </p:childTnLst>
+        </p:cTn>
+      </p:par>
+    </p:tnLst>
+    <p:bldLst>
+      <p:bldP spid="3" grpId="0" animBg="1"/>
+    </p:bldLst>
+  </p:timing>
+</p:sld>
+</file>
+
+<file path=ppt/slides/slide27.xml><?xml version="1.0" encoding="utf-8"?>
+<p:sld xmlns:a="http://schemas.openxmlformats.org/drawingml/2006/main" xmlns:r="http://schemas.openxmlformats.org/officeDocument/2006/relationships" xmlns:p="http://schemas.openxmlformats.org/presentationml/2006/main">
+  <p:cSld>
+    <p:spTree>
+      <p:nvGrpSpPr>
+        <p:cNvPr id="1" name="">
+          <a:extLst>
+            <a:ext uri="{FF2B5EF4-FFF2-40B4-BE49-F238E27FC236}">
+              <a16:creationId xmlns:a16="http://schemas.microsoft.com/office/drawing/2014/main" id="{03A98EBB-D83D-43C4-689D-4057CC1DCB77}"/>
+            </a:ext>
+          </a:extLst>
+        </p:cNvPr>
+        <p:cNvGrpSpPr/>
+        <p:nvPr/>
+      </p:nvGrpSpPr>
+      <p:grpSpPr>
+        <a:xfrm>
+          <a:off x="0" y="0"/>
+          <a:ext cx="0" cy="0"/>
+          <a:chOff x="0" y="0"/>
+          <a:chExt cx="0" cy="0"/>
+        </a:xfrm>
+      </p:grpSpPr>
+    </p:spTree>
+    <p:extLst>
+      <p:ext uri="{BB962C8B-B14F-4D97-AF65-F5344CB8AC3E}">
+        <p14:creationId xmlns:p14="http://schemas.microsoft.com/office/powerpoint/2010/main" val="2450126022"/>
+      </p:ext>
+    </p:extLst>
+  </p:cSld>
+  <p:clrMapOvr>
+    <a:masterClrMapping/>
+  </p:clrMapOvr>
+</p:sld>
+</file>
+
+<file path=ppt/slides/slide3.xml><?xml version="1.0" encoding="utf-8"?>
 <p:sld xmlns:a="http://schemas.openxmlformats.org/drawingml/2006/main" xmlns:r="http://schemas.openxmlformats.org/officeDocument/2006/relationships" xmlns:p="http://schemas.openxmlformats.org/presentationml/2006/main">
   <p:cSld>
     <p:spTree>
@@ -6342,1322 +8297,7 @@
 </p:sld>
 </file>
 
-<file path=ppt/slides/slide20.xml><?xml version="1.0" encoding="utf-8"?>
-<p:sld xmlns:a="http://schemas.openxmlformats.org/drawingml/2006/main" xmlns:r="http://schemas.openxmlformats.org/officeDocument/2006/relationships" xmlns:p="http://schemas.openxmlformats.org/presentationml/2006/main">
-  <p:cSld>
-    <p:spTree>
-      <p:nvGrpSpPr>
-        <p:cNvPr id="1" name="">
-          <a:extLst>
-            <a:ext uri="{FF2B5EF4-FFF2-40B4-BE49-F238E27FC236}">
-              <a16:creationId xmlns:a16="http://schemas.microsoft.com/office/drawing/2014/main" id="{37B59147-D20A-D254-6DA2-143D08B00C70}"/>
-            </a:ext>
-          </a:extLst>
-        </p:cNvPr>
-        <p:cNvGrpSpPr/>
-        <p:nvPr/>
-      </p:nvGrpSpPr>
-      <p:grpSpPr>
-        <a:xfrm>
-          <a:off x="0" y="0"/>
-          <a:ext cx="0" cy="0"/>
-          <a:chOff x="0" y="0"/>
-          <a:chExt cx="0" cy="0"/>
-        </a:xfrm>
-      </p:grpSpPr>
-      <p:pic>
-        <p:nvPicPr>
-          <p:cNvPr id="4" name="图片 3">
-            <a:extLst>
-              <a:ext uri="{FF2B5EF4-FFF2-40B4-BE49-F238E27FC236}">
-                <a16:creationId xmlns:a16="http://schemas.microsoft.com/office/drawing/2014/main" id="{E015AA28-7823-C9AA-6D39-F91F91727A3C}"/>
-              </a:ext>
-            </a:extLst>
-          </p:cNvPr>
-          <p:cNvPicPr>
-            <a:picLocks noChangeAspect="1"/>
-          </p:cNvPicPr>
-          <p:nvPr/>
-        </p:nvPicPr>
-        <p:blipFill>
-          <a:blip r:embed="rId2">
-            <a:extLst>
-              <a:ext uri="{28A0092B-C50C-407E-A947-70E740481C1C}">
-                <a14:useLocalDpi xmlns:a14="http://schemas.microsoft.com/office/drawing/2010/main" val="0"/>
-              </a:ext>
-            </a:extLst>
-          </a:blip>
-          <a:stretch>
-            <a:fillRect/>
-          </a:stretch>
-        </p:blipFill>
-        <p:spPr>
-          <a:xfrm>
-            <a:off x="2079811" y="1237664"/>
-            <a:ext cx="8650941" cy="4778969"/>
-          </a:xfrm>
-          <a:prstGeom prst="rect">
-            <a:avLst/>
-          </a:prstGeom>
-        </p:spPr>
-      </p:pic>
-      <p:sp>
-        <p:nvSpPr>
-          <p:cNvPr id="7" name="矩形: 圆角 6">
-            <a:extLst>
-              <a:ext uri="{FF2B5EF4-FFF2-40B4-BE49-F238E27FC236}">
-                <a16:creationId xmlns:a16="http://schemas.microsoft.com/office/drawing/2014/main" id="{623D9285-F265-46A3-5182-48DFD9E36C96}"/>
-              </a:ext>
-            </a:extLst>
-          </p:cNvPr>
-          <p:cNvSpPr/>
-          <p:nvPr/>
-        </p:nvSpPr>
-        <p:spPr>
-          <a:xfrm>
-            <a:off x="4148964" y="1147482"/>
-            <a:ext cx="3722049" cy="2608730"/>
-          </a:xfrm>
-          <a:prstGeom prst="roundRect">
-            <a:avLst>
-              <a:gd name="adj" fmla="val 9328"/>
-            </a:avLst>
-          </a:prstGeom>
-        </p:spPr>
-        <p:style>
-          <a:lnRef idx="2">
-            <a:schemeClr val="accent2">
-              <a:shade val="15000"/>
-            </a:schemeClr>
-          </a:lnRef>
-          <a:fillRef idx="1">
-            <a:schemeClr val="accent2"/>
-          </a:fillRef>
-          <a:effectRef idx="0">
-            <a:schemeClr val="accent2"/>
-          </a:effectRef>
-          <a:fontRef idx="minor">
-            <a:schemeClr val="lt1"/>
-          </a:fontRef>
-        </p:style>
-        <p:txBody>
-          <a:bodyPr rtlCol="0" anchor="ctr"/>
-          <a:lstStyle/>
-          <a:p>
-            <a:pPr algn="ctr"/>
-            <a:r>
-              <a:rPr lang="en-US" altLang="zh-CN" sz="2400" dirty="0"/>
-              <a:t>BFN</a:t>
-            </a:r>
-            <a:endParaRPr lang="zh-CN" altLang="en-US" sz="2400" dirty="0"/>
-          </a:p>
-        </p:txBody>
-      </p:sp>
-    </p:spTree>
-    <p:extLst>
-      <p:ext uri="{BB962C8B-B14F-4D97-AF65-F5344CB8AC3E}">
-        <p14:creationId xmlns:p14="http://schemas.microsoft.com/office/powerpoint/2010/main" val="3542528332"/>
-      </p:ext>
-    </p:extLst>
-  </p:cSld>
-  <p:clrMapOvr>
-    <a:masterClrMapping/>
-  </p:clrMapOvr>
-  <mc:AlternateContent xmlns:mc="http://schemas.openxmlformats.org/markup-compatibility/2006">
-    <mc:Choice xmlns:p14="http://schemas.microsoft.com/office/powerpoint/2010/main" Requires="p14">
-      <p:transition spd="slow" p14:dur="2000" advClick="0" advTm="0"/>
-    </mc:Choice>
-    <mc:Fallback>
-      <p:transition spd="slow" advClick="0" advTm="0"/>
-    </mc:Fallback>
-  </mc:AlternateContent>
-  <p:timing>
-    <p:tnLst>
-      <p:par>
-        <p:cTn id="1" dur="indefinite" restart="never" nodeType="tmRoot">
-          <p:childTnLst>
-            <p:seq concurrent="1" nextAc="seek">
-              <p:cTn id="2" dur="indefinite" nodeType="mainSeq">
-                <p:childTnLst>
-                  <p:par>
-                    <p:cTn id="3" fill="hold">
-                      <p:stCondLst>
-                        <p:cond delay="indefinite"/>
-                      </p:stCondLst>
-                      <p:childTnLst>
-                        <p:par>
-                          <p:cTn id="4" fill="hold">
-                            <p:stCondLst>
-                              <p:cond delay="0"/>
-                            </p:stCondLst>
-                            <p:childTnLst>
-                              <p:par>
-                                <p:cTn id="5" presetID="53" presetClass="entr" presetSubtype="16" fill="hold" grpId="0" nodeType="clickEffect">
-                                  <p:stCondLst>
-                                    <p:cond delay="0"/>
-                                  </p:stCondLst>
-                                  <p:childTnLst>
-                                    <p:set>
-                                      <p:cBhvr>
-                                        <p:cTn id="6" dur="1" fill="hold">
-                                          <p:stCondLst>
-                                            <p:cond delay="0"/>
-                                          </p:stCondLst>
-                                        </p:cTn>
-                                        <p:tgtEl>
-                                          <p:spTgt spid="7"/>
-                                        </p:tgtEl>
-                                        <p:attrNameLst>
-                                          <p:attrName>style.visibility</p:attrName>
-                                        </p:attrNameLst>
-                                      </p:cBhvr>
-                                      <p:to>
-                                        <p:strVal val="visible"/>
-                                      </p:to>
-                                    </p:set>
-                                    <p:anim calcmode="lin" valueType="num">
-                                      <p:cBhvr>
-                                        <p:cTn id="7" dur="500" fill="hold"/>
-                                        <p:tgtEl>
-                                          <p:spTgt spid="7"/>
-                                        </p:tgtEl>
-                                        <p:attrNameLst>
-                                          <p:attrName>ppt_w</p:attrName>
-                                        </p:attrNameLst>
-                                      </p:cBhvr>
-                                      <p:tavLst>
-                                        <p:tav tm="0">
-                                          <p:val>
-                                            <p:fltVal val="0"/>
-                                          </p:val>
-                                        </p:tav>
-                                        <p:tav tm="100000">
-                                          <p:val>
-                                            <p:strVal val="#ppt_w"/>
-                                          </p:val>
-                                        </p:tav>
-                                      </p:tavLst>
-                                    </p:anim>
-                                    <p:anim calcmode="lin" valueType="num">
-                                      <p:cBhvr>
-                                        <p:cTn id="8" dur="500" fill="hold"/>
-                                        <p:tgtEl>
-                                          <p:spTgt spid="7"/>
-                                        </p:tgtEl>
-                                        <p:attrNameLst>
-                                          <p:attrName>ppt_h</p:attrName>
-                                        </p:attrNameLst>
-                                      </p:cBhvr>
-                                      <p:tavLst>
-                                        <p:tav tm="0">
-                                          <p:val>
-                                            <p:fltVal val="0"/>
-                                          </p:val>
-                                        </p:tav>
-                                        <p:tav tm="100000">
-                                          <p:val>
-                                            <p:strVal val="#ppt_h"/>
-                                          </p:val>
-                                        </p:tav>
-                                      </p:tavLst>
-                                    </p:anim>
-                                    <p:animEffect transition="in" filter="fade">
-                                      <p:cBhvr>
-                                        <p:cTn id="9" dur="500"/>
-                                        <p:tgtEl>
-                                          <p:spTgt spid="7"/>
-                                        </p:tgtEl>
-                                      </p:cBhvr>
-                                    </p:animEffect>
-                                  </p:childTnLst>
-                                </p:cTn>
-                              </p:par>
-                            </p:childTnLst>
-                          </p:cTn>
-                        </p:par>
-                      </p:childTnLst>
-                    </p:cTn>
-                  </p:par>
-                  <p:par>
-                    <p:cTn id="10" fill="hold">
-                      <p:stCondLst>
-                        <p:cond delay="indefinite"/>
-                      </p:stCondLst>
-                      <p:childTnLst>
-                        <p:par>
-                          <p:cTn id="11" fill="hold">
-                            <p:stCondLst>
-                              <p:cond delay="0"/>
-                            </p:stCondLst>
-                            <p:childTnLst>
-                              <p:par>
-                                <p:cTn id="12" presetID="21" presetClass="entr" presetSubtype="1" fill="hold" nodeType="clickEffect">
-                                  <p:stCondLst>
-                                    <p:cond delay="0"/>
-                                  </p:stCondLst>
-                                  <p:childTnLst>
-                                    <p:set>
-                                      <p:cBhvr>
-                                        <p:cTn id="13" dur="1" fill="hold">
-                                          <p:stCondLst>
-                                            <p:cond delay="0"/>
-                                          </p:stCondLst>
-                                        </p:cTn>
-                                        <p:tgtEl>
-                                          <p:spTgt spid="4"/>
-                                        </p:tgtEl>
-                                        <p:attrNameLst>
-                                          <p:attrName>style.visibility</p:attrName>
-                                        </p:attrNameLst>
-                                      </p:cBhvr>
-                                      <p:to>
-                                        <p:strVal val="visible"/>
-                                      </p:to>
-                                    </p:set>
-                                    <p:animEffect transition="in" filter="wheel(1)">
-                                      <p:cBhvr>
-                                        <p:cTn id="14" dur="2000"/>
-                                        <p:tgtEl>
-                                          <p:spTgt spid="4"/>
-                                        </p:tgtEl>
-                                      </p:cBhvr>
-                                    </p:animEffect>
-                                  </p:childTnLst>
-                                </p:cTn>
-                              </p:par>
-                            </p:childTnLst>
-                          </p:cTn>
-                        </p:par>
-                      </p:childTnLst>
-                    </p:cTn>
-                  </p:par>
-                </p:childTnLst>
-              </p:cTn>
-              <p:prevCondLst>
-                <p:cond evt="onPrev" delay="0">
-                  <p:tgtEl>
-                    <p:sldTgt/>
-                  </p:tgtEl>
-                </p:cond>
-              </p:prevCondLst>
-              <p:nextCondLst>
-                <p:cond evt="onNext" delay="0">
-                  <p:tgtEl>
-                    <p:sldTgt/>
-                  </p:tgtEl>
-                </p:cond>
-              </p:nextCondLst>
-            </p:seq>
-          </p:childTnLst>
-        </p:cTn>
-      </p:par>
-    </p:tnLst>
-    <p:bldLst>
-      <p:bldP spid="7" grpId="0" animBg="1"/>
-    </p:bldLst>
-  </p:timing>
-</p:sld>
-</file>
-
-<file path=ppt/slides/slide21.xml><?xml version="1.0" encoding="utf-8"?>
-<p:sld xmlns:a="http://schemas.openxmlformats.org/drawingml/2006/main" xmlns:r="http://schemas.openxmlformats.org/officeDocument/2006/relationships" xmlns:p="http://schemas.openxmlformats.org/presentationml/2006/main">
-  <p:cSld>
-    <p:spTree>
-      <p:nvGrpSpPr>
-        <p:cNvPr id="1" name="">
-          <a:extLst>
-            <a:ext uri="{FF2B5EF4-FFF2-40B4-BE49-F238E27FC236}">
-              <a16:creationId xmlns:a16="http://schemas.microsoft.com/office/drawing/2014/main" id="{1D88DCF9-B686-C174-CBBE-11AF83F83AD7}"/>
-            </a:ext>
-          </a:extLst>
-        </p:cNvPr>
-        <p:cNvGrpSpPr/>
-        <p:nvPr/>
-      </p:nvGrpSpPr>
-      <p:grpSpPr>
-        <a:xfrm>
-          <a:off x="0" y="0"/>
-          <a:ext cx="0" cy="0"/>
-          <a:chOff x="0" y="0"/>
-          <a:chExt cx="0" cy="0"/>
-        </a:xfrm>
-      </p:grpSpPr>
-      <p:pic>
-        <p:nvPicPr>
-          <p:cNvPr id="4" name="图片 3">
-            <a:extLst>
-              <a:ext uri="{FF2B5EF4-FFF2-40B4-BE49-F238E27FC236}">
-                <a16:creationId xmlns:a16="http://schemas.microsoft.com/office/drawing/2014/main" id="{EC391A95-4908-AC7B-E797-19308AC4CCC2}"/>
-              </a:ext>
-            </a:extLst>
-          </p:cNvPr>
-          <p:cNvPicPr>
-            <a:picLocks noChangeAspect="1"/>
-          </p:cNvPicPr>
-          <p:nvPr/>
-        </p:nvPicPr>
-        <p:blipFill>
-          <a:blip r:embed="rId2">
-            <a:extLst>
-              <a:ext uri="{28A0092B-C50C-407E-A947-70E740481C1C}">
-                <a14:useLocalDpi xmlns:a14="http://schemas.microsoft.com/office/drawing/2010/main" val="0"/>
-              </a:ext>
-            </a:extLst>
-          </a:blip>
-          <a:stretch>
-            <a:fillRect/>
-          </a:stretch>
-        </p:blipFill>
-        <p:spPr>
-          <a:xfrm>
-            <a:off x="2079811" y="1237664"/>
-            <a:ext cx="8650941" cy="4778969"/>
-          </a:xfrm>
-          <a:prstGeom prst="rect">
-            <a:avLst/>
-          </a:prstGeom>
-        </p:spPr>
-      </p:pic>
-      <p:sp>
-        <p:nvSpPr>
-          <p:cNvPr id="5" name="文本框 4">
-            <a:extLst>
-              <a:ext uri="{FF2B5EF4-FFF2-40B4-BE49-F238E27FC236}">
-                <a16:creationId xmlns:a16="http://schemas.microsoft.com/office/drawing/2014/main" id="{5C3D2B28-933D-2CEA-5728-B72CD0F9BAA3}"/>
-              </a:ext>
-            </a:extLst>
-          </p:cNvPr>
-          <p:cNvSpPr txBox="1"/>
-          <p:nvPr/>
-        </p:nvSpPr>
-        <p:spPr>
-          <a:xfrm>
-            <a:off x="4616713" y="382241"/>
-            <a:ext cx="2496356" cy="584775"/>
-          </a:xfrm>
-          <a:prstGeom prst="rect">
-            <a:avLst/>
-          </a:prstGeom>
-          <a:noFill/>
-        </p:spPr>
-        <p:txBody>
-          <a:bodyPr wrap="square" rtlCol="0">
-            <a:spAutoFit/>
-          </a:bodyPr>
-          <a:lstStyle/>
-          <a:p>
-            <a:pPr algn="ctr"/>
-            <a:r>
-              <a:rPr lang="en-US" altLang="zh-CN" sz="3200" dirty="0" err="1">
-                <a:latin typeface="Noto Sans JP Black" panose="020B0200000000000000" pitchFamily="34" charset="-122"/>
-                <a:ea typeface="Noto Sans JP Black" panose="020B0200000000000000" pitchFamily="34" charset="-122"/>
-              </a:rPr>
-              <a:t>ProfileBFN</a:t>
-            </a:r>
-            <a:endParaRPr lang="zh-CN" altLang="en-US" sz="3200" dirty="0">
-              <a:latin typeface="Noto Sans JP Black" panose="020B0200000000000000" pitchFamily="34" charset="-122"/>
-              <a:ea typeface="Noto Sans JP Black" panose="020B0200000000000000" pitchFamily="34" charset="-122"/>
-            </a:endParaRPr>
-          </a:p>
-        </p:txBody>
-      </p:sp>
-      <p:sp>
-        <p:nvSpPr>
-          <p:cNvPr id="2" name="矩形: 圆角 1">
-            <a:extLst>
-              <a:ext uri="{FF2B5EF4-FFF2-40B4-BE49-F238E27FC236}">
-                <a16:creationId xmlns:a16="http://schemas.microsoft.com/office/drawing/2014/main" id="{197D699B-41F6-0662-DC8E-8A2DCA9B6AC8}"/>
-              </a:ext>
-            </a:extLst>
-          </p:cNvPr>
-          <p:cNvSpPr/>
-          <p:nvPr/>
-        </p:nvSpPr>
-        <p:spPr>
-          <a:xfrm>
-            <a:off x="4148964" y="1147482"/>
-            <a:ext cx="3722049" cy="2608730"/>
-          </a:xfrm>
-          <a:prstGeom prst="roundRect">
-            <a:avLst>
-              <a:gd name="adj" fmla="val 9328"/>
-            </a:avLst>
-          </a:prstGeom>
-        </p:spPr>
-        <p:style>
-          <a:lnRef idx="2">
-            <a:schemeClr val="accent2">
-              <a:shade val="15000"/>
-            </a:schemeClr>
-          </a:lnRef>
-          <a:fillRef idx="1">
-            <a:schemeClr val="accent2"/>
-          </a:fillRef>
-          <a:effectRef idx="0">
-            <a:schemeClr val="accent2"/>
-          </a:effectRef>
-          <a:fontRef idx="minor">
-            <a:schemeClr val="lt1"/>
-          </a:fontRef>
-        </p:style>
-        <p:txBody>
-          <a:bodyPr rtlCol="0" anchor="ctr"/>
-          <a:lstStyle/>
-          <a:p>
-            <a:pPr algn="ctr"/>
-            <a:r>
-              <a:rPr lang="en-US" altLang="zh-CN" sz="2400" dirty="0"/>
-              <a:t>BFN</a:t>
-            </a:r>
-            <a:endParaRPr lang="zh-CN" altLang="en-US" sz="2400" dirty="0"/>
-          </a:p>
-        </p:txBody>
-      </p:sp>
-    </p:spTree>
-    <p:extLst>
-      <p:ext uri="{BB962C8B-B14F-4D97-AF65-F5344CB8AC3E}">
-        <p14:creationId xmlns:p14="http://schemas.microsoft.com/office/powerpoint/2010/main" val="2429195442"/>
-      </p:ext>
-    </p:extLst>
-  </p:cSld>
-  <p:clrMapOvr>
-    <a:masterClrMapping/>
-  </p:clrMapOvr>
-  <mc:AlternateContent xmlns:mc="http://schemas.openxmlformats.org/markup-compatibility/2006">
-    <mc:Choice xmlns:p14="http://schemas.microsoft.com/office/powerpoint/2010/main" Requires="p14">
-      <p:transition spd="slow" p14:dur="2000" advClick="0" advTm="0"/>
-    </mc:Choice>
-    <mc:Fallback>
-      <p:transition spd="slow" advClick="0" advTm="0"/>
-    </mc:Fallback>
-  </mc:AlternateContent>
-  <p:timing>
-    <p:tnLst>
-      <p:par>
-        <p:cTn id="1" dur="indefinite" restart="never" nodeType="tmRoot">
-          <p:childTnLst>
-            <p:seq concurrent="1" nextAc="seek">
-              <p:cTn id="2" dur="indefinite" nodeType="mainSeq">
-                <p:childTnLst>
-                  <p:par>
-                    <p:cTn id="3" fill="hold">
-                      <p:stCondLst>
-                        <p:cond delay="indefinite"/>
-                      </p:stCondLst>
-                      <p:childTnLst>
-                        <p:par>
-                          <p:cTn id="4" fill="hold">
-                            <p:stCondLst>
-                              <p:cond delay="0"/>
-                            </p:stCondLst>
-                            <p:childTnLst>
-                              <p:par>
-                                <p:cTn id="5" presetID="14" presetClass="exit" presetSubtype="10" fill="hold" grpId="0" nodeType="clickEffect">
-                                  <p:stCondLst>
-                                    <p:cond delay="0"/>
-                                  </p:stCondLst>
-                                  <p:childTnLst>
-                                    <p:animEffect transition="out" filter="randombar(horizontal)">
-                                      <p:cBhvr>
-                                        <p:cTn id="6" dur="500"/>
-                                        <p:tgtEl>
-                                          <p:spTgt spid="2"/>
-                                        </p:tgtEl>
-                                      </p:cBhvr>
-                                    </p:animEffect>
-                                    <p:set>
-                                      <p:cBhvr>
-                                        <p:cTn id="7" dur="1" fill="hold">
-                                          <p:stCondLst>
-                                            <p:cond delay="499"/>
-                                          </p:stCondLst>
-                                        </p:cTn>
-                                        <p:tgtEl>
-                                          <p:spTgt spid="2"/>
-                                        </p:tgtEl>
-                                        <p:attrNameLst>
-                                          <p:attrName>style.visibility</p:attrName>
-                                        </p:attrNameLst>
-                                      </p:cBhvr>
-                                      <p:to>
-                                        <p:strVal val="hidden"/>
-                                      </p:to>
-                                    </p:set>
-                                  </p:childTnLst>
-                                </p:cTn>
-                              </p:par>
-                            </p:childTnLst>
-                          </p:cTn>
-                        </p:par>
-                      </p:childTnLst>
-                    </p:cTn>
-                  </p:par>
-                  <p:par>
-                    <p:cTn id="8" fill="hold">
-                      <p:stCondLst>
-                        <p:cond delay="indefinite"/>
-                      </p:stCondLst>
-                      <p:childTnLst>
-                        <p:par>
-                          <p:cTn id="9" fill="hold">
-                            <p:stCondLst>
-                              <p:cond delay="0"/>
-                            </p:stCondLst>
-                            <p:childTnLst>
-                              <p:par>
-                                <p:cTn id="10" presetID="22" presetClass="entr" presetSubtype="4" fill="hold" grpId="0" nodeType="clickEffect">
-                                  <p:stCondLst>
-                                    <p:cond delay="0"/>
-                                  </p:stCondLst>
-                                  <p:childTnLst>
-                                    <p:set>
-                                      <p:cBhvr>
-                                        <p:cTn id="11" dur="1" fill="hold">
-                                          <p:stCondLst>
-                                            <p:cond delay="0"/>
-                                          </p:stCondLst>
-                                        </p:cTn>
-                                        <p:tgtEl>
-                                          <p:spTgt spid="5"/>
-                                        </p:tgtEl>
-                                        <p:attrNameLst>
-                                          <p:attrName>style.visibility</p:attrName>
-                                        </p:attrNameLst>
-                                      </p:cBhvr>
-                                      <p:to>
-                                        <p:strVal val="visible"/>
-                                      </p:to>
-                                    </p:set>
-                                    <p:animEffect transition="in" filter="wipe(down)">
-                                      <p:cBhvr>
-                                        <p:cTn id="12" dur="500"/>
-                                        <p:tgtEl>
-                                          <p:spTgt spid="5"/>
-                                        </p:tgtEl>
-                                      </p:cBhvr>
-                                    </p:animEffect>
-                                  </p:childTnLst>
-                                </p:cTn>
-                              </p:par>
-                            </p:childTnLst>
-                          </p:cTn>
-                        </p:par>
-                      </p:childTnLst>
-                    </p:cTn>
-                  </p:par>
-                </p:childTnLst>
-              </p:cTn>
-              <p:prevCondLst>
-                <p:cond evt="onPrev" delay="0">
-                  <p:tgtEl>
-                    <p:sldTgt/>
-                  </p:tgtEl>
-                </p:cond>
-              </p:prevCondLst>
-              <p:nextCondLst>
-                <p:cond evt="onNext" delay="0">
-                  <p:tgtEl>
-                    <p:sldTgt/>
-                  </p:tgtEl>
-                </p:cond>
-              </p:nextCondLst>
-            </p:seq>
-          </p:childTnLst>
-        </p:cTn>
-      </p:par>
-    </p:tnLst>
-    <p:bldLst>
-      <p:bldP spid="5" grpId="0"/>
-      <p:bldP spid="2" grpId="0" animBg="1"/>
-    </p:bldLst>
-  </p:timing>
-</p:sld>
-</file>
-
-<file path=ppt/slides/slide22.xml><?xml version="1.0" encoding="utf-8"?>
-<p:sld xmlns:a="http://schemas.openxmlformats.org/drawingml/2006/main" xmlns:r="http://schemas.openxmlformats.org/officeDocument/2006/relationships" xmlns:p="http://schemas.openxmlformats.org/presentationml/2006/main">
-  <p:cSld>
-    <p:spTree>
-      <p:nvGrpSpPr>
-        <p:cNvPr id="1" name="">
-          <a:extLst>
-            <a:ext uri="{FF2B5EF4-FFF2-40B4-BE49-F238E27FC236}">
-              <a16:creationId xmlns:a16="http://schemas.microsoft.com/office/drawing/2014/main" id="{C8775EDD-8C9D-3017-F896-C92E1B82F0A5}"/>
-            </a:ext>
-          </a:extLst>
-        </p:cNvPr>
-        <p:cNvGrpSpPr/>
-        <p:nvPr/>
-      </p:nvGrpSpPr>
-      <p:grpSpPr>
-        <a:xfrm>
-          <a:off x="0" y="0"/>
-          <a:ext cx="0" cy="0"/>
-          <a:chOff x="0" y="0"/>
-          <a:chExt cx="0" cy="0"/>
-        </a:xfrm>
-      </p:grpSpPr>
-      <p:pic>
-        <p:nvPicPr>
-          <p:cNvPr id="4" name="图片 3">
-            <a:extLst>
-              <a:ext uri="{FF2B5EF4-FFF2-40B4-BE49-F238E27FC236}">
-                <a16:creationId xmlns:a16="http://schemas.microsoft.com/office/drawing/2014/main" id="{09A93367-C9AC-D35B-E6DC-5BD5CA552F24}"/>
-              </a:ext>
-            </a:extLst>
-          </p:cNvPr>
-          <p:cNvPicPr>
-            <a:picLocks noChangeAspect="1"/>
-          </p:cNvPicPr>
-          <p:nvPr/>
-        </p:nvPicPr>
-        <p:blipFill>
-          <a:blip r:embed="rId2">
-            <a:extLst>
-              <a:ext uri="{28A0092B-C50C-407E-A947-70E740481C1C}">
-                <a14:useLocalDpi xmlns:a14="http://schemas.microsoft.com/office/drawing/2010/main" val="0"/>
-              </a:ext>
-            </a:extLst>
-          </a:blip>
-          <a:stretch>
-            <a:fillRect/>
-          </a:stretch>
-        </p:blipFill>
-        <p:spPr>
-          <a:xfrm>
-            <a:off x="2079811" y="1237664"/>
-            <a:ext cx="8650941" cy="4778969"/>
-          </a:xfrm>
-          <a:prstGeom prst="rect">
-            <a:avLst/>
-          </a:prstGeom>
-        </p:spPr>
-      </p:pic>
-      <p:sp>
-        <p:nvSpPr>
-          <p:cNvPr id="5" name="文本框 4">
-            <a:extLst>
-              <a:ext uri="{FF2B5EF4-FFF2-40B4-BE49-F238E27FC236}">
-                <a16:creationId xmlns:a16="http://schemas.microsoft.com/office/drawing/2014/main" id="{0D3B7A89-BBAF-7FDF-F64D-64D2DFF0BBFA}"/>
-              </a:ext>
-            </a:extLst>
-          </p:cNvPr>
-          <p:cNvSpPr txBox="1"/>
-          <p:nvPr/>
-        </p:nvSpPr>
-        <p:spPr>
-          <a:xfrm>
-            <a:off x="4616713" y="382241"/>
-            <a:ext cx="2544483" cy="584775"/>
-          </a:xfrm>
-          <a:prstGeom prst="rect">
-            <a:avLst/>
-          </a:prstGeom>
-          <a:noFill/>
-        </p:spPr>
-        <p:txBody>
-          <a:bodyPr wrap="square" rtlCol="0">
-            <a:spAutoFit/>
-          </a:bodyPr>
-          <a:lstStyle/>
-          <a:p>
-            <a:pPr algn="ctr"/>
-            <a:r>
-              <a:rPr lang="en-US" altLang="zh-CN" sz="3200" dirty="0" err="1">
-                <a:latin typeface="Noto Sans JP Black" panose="020B0200000000000000" pitchFamily="34" charset="-122"/>
-                <a:ea typeface="Noto Sans JP Black" panose="020B0200000000000000" pitchFamily="34" charset="-122"/>
-              </a:rPr>
-              <a:t>ProfileBFN</a:t>
-            </a:r>
-            <a:endParaRPr lang="zh-CN" altLang="en-US" sz="3200" dirty="0">
-              <a:latin typeface="Noto Sans JP Black" panose="020B0200000000000000" pitchFamily="34" charset="-122"/>
-              <a:ea typeface="Noto Sans JP Black" panose="020B0200000000000000" pitchFamily="34" charset="-122"/>
-            </a:endParaRPr>
-          </a:p>
-        </p:txBody>
-      </p:sp>
-      <p:sp>
-        <p:nvSpPr>
-          <p:cNvPr id="2" name="矩形: 圆角 1">
-            <a:extLst>
-              <a:ext uri="{FF2B5EF4-FFF2-40B4-BE49-F238E27FC236}">
-                <a16:creationId xmlns:a16="http://schemas.microsoft.com/office/drawing/2014/main" id="{AD3470DA-9B39-FACC-08AD-D0E2DDBB9D4D}"/>
-              </a:ext>
-            </a:extLst>
-          </p:cNvPr>
-          <p:cNvSpPr/>
-          <p:nvPr/>
-        </p:nvSpPr>
-        <p:spPr>
-          <a:xfrm>
-            <a:off x="4148964" y="1147482"/>
-            <a:ext cx="3722049" cy="2608730"/>
-          </a:xfrm>
-          <a:prstGeom prst="roundRect">
-            <a:avLst>
-              <a:gd name="adj" fmla="val 9328"/>
-            </a:avLst>
-          </a:prstGeom>
-        </p:spPr>
-        <p:style>
-          <a:lnRef idx="2">
-            <a:schemeClr val="accent2">
-              <a:shade val="15000"/>
-            </a:schemeClr>
-          </a:lnRef>
-          <a:fillRef idx="1">
-            <a:schemeClr val="accent2"/>
-          </a:fillRef>
-          <a:effectRef idx="0">
-            <a:schemeClr val="accent2"/>
-          </a:effectRef>
-          <a:fontRef idx="minor">
-            <a:schemeClr val="lt1"/>
-          </a:fontRef>
-        </p:style>
-        <p:txBody>
-          <a:bodyPr rtlCol="0" anchor="ctr"/>
-          <a:lstStyle/>
-          <a:p>
-            <a:pPr algn="ctr"/>
-            <a:r>
-              <a:rPr lang="en-US" altLang="zh-CN" sz="2400" dirty="0"/>
-              <a:t>BFN</a:t>
-            </a:r>
-            <a:endParaRPr lang="zh-CN" altLang="en-US" sz="2400" dirty="0"/>
-          </a:p>
-        </p:txBody>
-      </p:sp>
-    </p:spTree>
-    <p:extLst>
-      <p:ext uri="{BB962C8B-B14F-4D97-AF65-F5344CB8AC3E}">
-        <p14:creationId xmlns:p14="http://schemas.microsoft.com/office/powerpoint/2010/main" val="1086766692"/>
-      </p:ext>
-    </p:extLst>
-  </p:cSld>
-  <p:clrMapOvr>
-    <a:masterClrMapping/>
-  </p:clrMapOvr>
-  <mc:AlternateContent xmlns:mc="http://schemas.openxmlformats.org/markup-compatibility/2006">
-    <mc:Choice xmlns:p14="http://schemas.microsoft.com/office/powerpoint/2010/main" Requires="p14">
-      <p:transition spd="slow" p14:dur="2000" advClick="0" advTm="0"/>
-    </mc:Choice>
-    <mc:Fallback>
-      <p:transition spd="slow" advClick="0" advTm="0"/>
-    </mc:Fallback>
-  </mc:AlternateContent>
-  <p:timing>
-    <p:tnLst>
-      <p:par>
-        <p:cTn id="1" dur="indefinite" restart="never" nodeType="tmRoot">
-          <p:childTnLst>
-            <p:seq concurrent="1" nextAc="seek">
-              <p:cTn id="2" dur="indefinite" nodeType="mainSeq">
-                <p:childTnLst>
-                  <p:par>
-                    <p:cTn id="3" fill="hold">
-                      <p:stCondLst>
-                        <p:cond delay="indefinite"/>
-                      </p:stCondLst>
-                      <p:childTnLst>
-                        <p:par>
-                          <p:cTn id="4" fill="hold">
-                            <p:stCondLst>
-                              <p:cond delay="0"/>
-                            </p:stCondLst>
-                            <p:childTnLst>
-                              <p:par>
-                                <p:cTn id="5" presetID="53" presetClass="entr" presetSubtype="16" fill="hold" grpId="0" nodeType="clickEffect">
-                                  <p:stCondLst>
-                                    <p:cond delay="0"/>
-                                  </p:stCondLst>
-                                  <p:childTnLst>
-                                    <p:set>
-                                      <p:cBhvr>
-                                        <p:cTn id="6" dur="1" fill="hold">
-                                          <p:stCondLst>
-                                            <p:cond delay="0"/>
-                                          </p:stCondLst>
-                                        </p:cTn>
-                                        <p:tgtEl>
-                                          <p:spTgt spid="2"/>
-                                        </p:tgtEl>
-                                        <p:attrNameLst>
-                                          <p:attrName>style.visibility</p:attrName>
-                                        </p:attrNameLst>
-                                      </p:cBhvr>
-                                      <p:to>
-                                        <p:strVal val="visible"/>
-                                      </p:to>
-                                    </p:set>
-                                    <p:anim calcmode="lin" valueType="num">
-                                      <p:cBhvr>
-                                        <p:cTn id="7" dur="500" fill="hold"/>
-                                        <p:tgtEl>
-                                          <p:spTgt spid="2"/>
-                                        </p:tgtEl>
-                                        <p:attrNameLst>
-                                          <p:attrName>ppt_w</p:attrName>
-                                        </p:attrNameLst>
-                                      </p:cBhvr>
-                                      <p:tavLst>
-                                        <p:tav tm="0">
-                                          <p:val>
-                                            <p:fltVal val="0"/>
-                                          </p:val>
-                                        </p:tav>
-                                        <p:tav tm="100000">
-                                          <p:val>
-                                            <p:strVal val="#ppt_w"/>
-                                          </p:val>
-                                        </p:tav>
-                                      </p:tavLst>
-                                    </p:anim>
-                                    <p:anim calcmode="lin" valueType="num">
-                                      <p:cBhvr>
-                                        <p:cTn id="8" dur="500" fill="hold"/>
-                                        <p:tgtEl>
-                                          <p:spTgt spid="2"/>
-                                        </p:tgtEl>
-                                        <p:attrNameLst>
-                                          <p:attrName>ppt_h</p:attrName>
-                                        </p:attrNameLst>
-                                      </p:cBhvr>
-                                      <p:tavLst>
-                                        <p:tav tm="0">
-                                          <p:val>
-                                            <p:fltVal val="0"/>
-                                          </p:val>
-                                        </p:tav>
-                                        <p:tav tm="100000">
-                                          <p:val>
-                                            <p:strVal val="#ppt_h"/>
-                                          </p:val>
-                                        </p:tav>
-                                      </p:tavLst>
-                                    </p:anim>
-                                    <p:animEffect transition="in" filter="fade">
-                                      <p:cBhvr>
-                                        <p:cTn id="9" dur="500"/>
-                                        <p:tgtEl>
-                                          <p:spTgt spid="2"/>
-                                        </p:tgtEl>
-                                      </p:cBhvr>
-                                    </p:animEffect>
-                                  </p:childTnLst>
-                                </p:cTn>
-                              </p:par>
-                            </p:childTnLst>
-                          </p:cTn>
-                        </p:par>
-                      </p:childTnLst>
-                    </p:cTn>
-                  </p:par>
-                  <p:par>
-                    <p:cTn id="10" fill="hold">
-                      <p:stCondLst>
-                        <p:cond delay="indefinite"/>
-                      </p:stCondLst>
-                      <p:childTnLst>
-                        <p:par>
-                          <p:cTn id="11" fill="hold">
-                            <p:stCondLst>
-                              <p:cond delay="0"/>
-                            </p:stCondLst>
-                            <p:childTnLst>
-                              <p:par>
-                                <p:cTn id="12" presetID="14" presetClass="exit" presetSubtype="10" fill="hold" nodeType="clickEffect">
-                                  <p:stCondLst>
-                                    <p:cond delay="0"/>
-                                  </p:stCondLst>
-                                  <p:childTnLst>
-                                    <p:animEffect transition="out" filter="randombar(horizontal)">
-                                      <p:cBhvr>
-                                        <p:cTn id="13" dur="500"/>
-                                        <p:tgtEl>
-                                          <p:spTgt spid="4"/>
-                                        </p:tgtEl>
-                                      </p:cBhvr>
-                                    </p:animEffect>
-                                    <p:set>
-                                      <p:cBhvr>
-                                        <p:cTn id="14" dur="1" fill="hold">
-                                          <p:stCondLst>
-                                            <p:cond delay="499"/>
-                                          </p:stCondLst>
-                                        </p:cTn>
-                                        <p:tgtEl>
-                                          <p:spTgt spid="4"/>
-                                        </p:tgtEl>
-                                        <p:attrNameLst>
-                                          <p:attrName>style.visibility</p:attrName>
-                                        </p:attrNameLst>
-                                      </p:cBhvr>
-                                      <p:to>
-                                        <p:strVal val="hidden"/>
-                                      </p:to>
-                                    </p:set>
-                                  </p:childTnLst>
-                                </p:cTn>
-                              </p:par>
-                              <p:par>
-                                <p:cTn id="15" presetID="14" presetClass="exit" presetSubtype="10" fill="hold" grpId="0" nodeType="withEffect">
-                                  <p:stCondLst>
-                                    <p:cond delay="0"/>
-                                  </p:stCondLst>
-                                  <p:childTnLst>
-                                    <p:animEffect transition="out" filter="randombar(horizontal)">
-                                      <p:cBhvr>
-                                        <p:cTn id="16" dur="500"/>
-                                        <p:tgtEl>
-                                          <p:spTgt spid="5"/>
-                                        </p:tgtEl>
-                                      </p:cBhvr>
-                                    </p:animEffect>
-                                    <p:set>
-                                      <p:cBhvr>
-                                        <p:cTn id="17" dur="1" fill="hold">
-                                          <p:stCondLst>
-                                            <p:cond delay="499"/>
-                                          </p:stCondLst>
-                                        </p:cTn>
-                                        <p:tgtEl>
-                                          <p:spTgt spid="5"/>
-                                        </p:tgtEl>
-                                        <p:attrNameLst>
-                                          <p:attrName>style.visibility</p:attrName>
-                                        </p:attrNameLst>
-                                      </p:cBhvr>
-                                      <p:to>
-                                        <p:strVal val="hidden"/>
-                                      </p:to>
-                                    </p:set>
-                                  </p:childTnLst>
-                                </p:cTn>
-                              </p:par>
-                            </p:childTnLst>
-                          </p:cTn>
-                        </p:par>
-                      </p:childTnLst>
-                    </p:cTn>
-                  </p:par>
-                </p:childTnLst>
-              </p:cTn>
-              <p:prevCondLst>
-                <p:cond evt="onPrev" delay="0">
-                  <p:tgtEl>
-                    <p:sldTgt/>
-                  </p:tgtEl>
-                </p:cond>
-              </p:prevCondLst>
-              <p:nextCondLst>
-                <p:cond evt="onNext" delay="0">
-                  <p:tgtEl>
-                    <p:sldTgt/>
-                  </p:tgtEl>
-                </p:cond>
-              </p:nextCondLst>
-            </p:seq>
-          </p:childTnLst>
-        </p:cTn>
-      </p:par>
-    </p:tnLst>
-    <p:bldLst>
-      <p:bldP spid="5" grpId="0"/>
-      <p:bldP spid="2" grpId="0" animBg="1"/>
-    </p:bldLst>
-  </p:timing>
-</p:sld>
-</file>
-
-<file path=ppt/slides/slide23.xml><?xml version="1.0" encoding="utf-8"?>
-<p:sld xmlns:a="http://schemas.openxmlformats.org/drawingml/2006/main" xmlns:r="http://schemas.openxmlformats.org/officeDocument/2006/relationships" xmlns:p="http://schemas.openxmlformats.org/presentationml/2006/main">
-  <p:cSld>
-    <p:spTree>
-      <p:nvGrpSpPr>
-        <p:cNvPr id="1" name="">
-          <a:extLst>
-            <a:ext uri="{FF2B5EF4-FFF2-40B4-BE49-F238E27FC236}">
-              <a16:creationId xmlns:a16="http://schemas.microsoft.com/office/drawing/2014/main" id="{32EC48F7-88DA-B65B-E2E4-96C25585D865}"/>
-            </a:ext>
-          </a:extLst>
-        </p:cNvPr>
-        <p:cNvGrpSpPr/>
-        <p:nvPr/>
-      </p:nvGrpSpPr>
-      <p:grpSpPr>
-        <a:xfrm>
-          <a:off x="0" y="0"/>
-          <a:ext cx="0" cy="0"/>
-          <a:chOff x="0" y="0"/>
-          <a:chExt cx="0" cy="0"/>
-        </a:xfrm>
-      </p:grpSpPr>
-      <p:sp>
-        <p:nvSpPr>
-          <p:cNvPr id="2" name="矩形: 圆角 1">
-            <a:extLst>
-              <a:ext uri="{FF2B5EF4-FFF2-40B4-BE49-F238E27FC236}">
-                <a16:creationId xmlns:a16="http://schemas.microsoft.com/office/drawing/2014/main" id="{ECE15887-A65E-5881-423F-312446226A9F}"/>
-              </a:ext>
-            </a:extLst>
-          </p:cNvPr>
-          <p:cNvSpPr/>
-          <p:nvPr/>
-        </p:nvSpPr>
-        <p:spPr>
-          <a:xfrm>
-            <a:off x="4148964" y="1147482"/>
-            <a:ext cx="3722049" cy="2608730"/>
-          </a:xfrm>
-          <a:prstGeom prst="roundRect">
-            <a:avLst>
-              <a:gd name="adj" fmla="val 9328"/>
-            </a:avLst>
-          </a:prstGeom>
-        </p:spPr>
-        <p:style>
-          <a:lnRef idx="2">
-            <a:schemeClr val="accent2">
-              <a:shade val="15000"/>
-            </a:schemeClr>
-          </a:lnRef>
-          <a:fillRef idx="1">
-            <a:schemeClr val="accent2"/>
-          </a:fillRef>
-          <a:effectRef idx="0">
-            <a:schemeClr val="accent2"/>
-          </a:effectRef>
-          <a:fontRef idx="minor">
-            <a:schemeClr val="lt1"/>
-          </a:fontRef>
-        </p:style>
-        <p:txBody>
-          <a:bodyPr rtlCol="0" anchor="ctr"/>
-          <a:lstStyle/>
-          <a:p>
-            <a:pPr algn="ctr"/>
-            <a:r>
-              <a:rPr lang="en-US" altLang="zh-CN" sz="2400" dirty="0"/>
-              <a:t>BFN</a:t>
-            </a:r>
-            <a:endParaRPr lang="zh-CN" altLang="en-US" sz="2400" dirty="0"/>
-          </a:p>
-        </p:txBody>
-      </p:sp>
-    </p:spTree>
-    <p:extLst>
-      <p:ext uri="{BB962C8B-B14F-4D97-AF65-F5344CB8AC3E}">
-        <p14:creationId xmlns:p14="http://schemas.microsoft.com/office/powerpoint/2010/main" val="2132901721"/>
-      </p:ext>
-    </p:extLst>
-  </p:cSld>
-  <p:clrMapOvr>
-    <a:masterClrMapping/>
-  </p:clrMapOvr>
-  <mc:AlternateContent xmlns:mc="http://schemas.openxmlformats.org/markup-compatibility/2006">
-    <mc:Choice xmlns:p14="http://schemas.microsoft.com/office/powerpoint/2010/main" Requires="p14">
-      <p:transition spd="slow" p14:dur="2000" advClick="0" advTm="0"/>
-    </mc:Choice>
-    <mc:Fallback>
-      <p:transition spd="slow" advClick="0" advTm="0"/>
-    </mc:Fallback>
-  </mc:AlternateContent>
-  <p:timing>
-    <p:tnLst>
-      <p:par>
-        <p:cTn id="1" dur="indefinite" restart="never" nodeType="tmRoot">
-          <p:childTnLst>
-            <p:seq concurrent="1" nextAc="seek">
-              <p:cTn id="2" dur="indefinite" nodeType="mainSeq">
-                <p:childTnLst>
-                  <p:par>
-                    <p:cTn id="3" fill="hold">
-                      <p:stCondLst>
-                        <p:cond delay="indefinite"/>
-                      </p:stCondLst>
-                      <p:childTnLst>
-                        <p:par>
-                          <p:cTn id="4" fill="hold">
-                            <p:stCondLst>
-                              <p:cond delay="0"/>
-                            </p:stCondLst>
-                            <p:childTnLst>
-                              <p:par>
-                                <p:cTn id="5" presetID="31" presetClass="exit" presetSubtype="0" fill="hold" grpId="0" nodeType="clickEffect">
-                                  <p:stCondLst>
-                                    <p:cond delay="0"/>
-                                  </p:stCondLst>
-                                  <p:childTnLst>
-                                    <p:anim calcmode="lin" valueType="num">
-                                      <p:cBhvr>
-                                        <p:cTn id="6" dur="1000"/>
-                                        <p:tgtEl>
-                                          <p:spTgt spid="2"/>
-                                        </p:tgtEl>
-                                        <p:attrNameLst>
-                                          <p:attrName>ppt_w</p:attrName>
-                                        </p:attrNameLst>
-                                      </p:cBhvr>
-                                      <p:tavLst>
-                                        <p:tav tm="0">
-                                          <p:val>
-                                            <p:strVal val="ppt_w"/>
-                                          </p:val>
-                                        </p:tav>
-                                        <p:tav tm="100000">
-                                          <p:val>
-                                            <p:fltVal val="0"/>
-                                          </p:val>
-                                        </p:tav>
-                                      </p:tavLst>
-                                    </p:anim>
-                                    <p:anim calcmode="lin" valueType="num">
-                                      <p:cBhvr>
-                                        <p:cTn id="7" dur="1000"/>
-                                        <p:tgtEl>
-                                          <p:spTgt spid="2"/>
-                                        </p:tgtEl>
-                                        <p:attrNameLst>
-                                          <p:attrName>ppt_h</p:attrName>
-                                        </p:attrNameLst>
-                                      </p:cBhvr>
-                                      <p:tavLst>
-                                        <p:tav tm="0">
-                                          <p:val>
-                                            <p:strVal val="ppt_h"/>
-                                          </p:val>
-                                        </p:tav>
-                                        <p:tav tm="100000">
-                                          <p:val>
-                                            <p:fltVal val="0"/>
-                                          </p:val>
-                                        </p:tav>
-                                      </p:tavLst>
-                                    </p:anim>
-                                    <p:anim calcmode="lin" valueType="num">
-                                      <p:cBhvr>
-                                        <p:cTn id="8" dur="1000"/>
-                                        <p:tgtEl>
-                                          <p:spTgt spid="2"/>
-                                        </p:tgtEl>
-                                        <p:attrNameLst>
-                                          <p:attrName>style.rotation</p:attrName>
-                                        </p:attrNameLst>
-                                      </p:cBhvr>
-                                      <p:tavLst>
-                                        <p:tav tm="0">
-                                          <p:val>
-                                            <p:fltVal val="0"/>
-                                          </p:val>
-                                        </p:tav>
-                                        <p:tav tm="100000">
-                                          <p:val>
-                                            <p:fltVal val="90"/>
-                                          </p:val>
-                                        </p:tav>
-                                      </p:tavLst>
-                                    </p:anim>
-                                    <p:animEffect transition="out" filter="fade">
-                                      <p:cBhvr>
-                                        <p:cTn id="9" dur="1000"/>
-                                        <p:tgtEl>
-                                          <p:spTgt spid="2"/>
-                                        </p:tgtEl>
-                                      </p:cBhvr>
-                                    </p:animEffect>
-                                    <p:set>
-                                      <p:cBhvr>
-                                        <p:cTn id="10" dur="1" fill="hold">
-                                          <p:stCondLst>
-                                            <p:cond delay="999"/>
-                                          </p:stCondLst>
-                                        </p:cTn>
-                                        <p:tgtEl>
-                                          <p:spTgt spid="2"/>
-                                        </p:tgtEl>
-                                        <p:attrNameLst>
-                                          <p:attrName>style.visibility</p:attrName>
-                                        </p:attrNameLst>
-                                      </p:cBhvr>
-                                      <p:to>
-                                        <p:strVal val="hidden"/>
-                                      </p:to>
-                                    </p:set>
-                                  </p:childTnLst>
-                                </p:cTn>
-                              </p:par>
-                            </p:childTnLst>
-                          </p:cTn>
-                        </p:par>
-                      </p:childTnLst>
-                    </p:cTn>
-                  </p:par>
-                </p:childTnLst>
-              </p:cTn>
-              <p:prevCondLst>
-                <p:cond evt="onPrev" delay="0">
-                  <p:tgtEl>
-                    <p:sldTgt/>
-                  </p:tgtEl>
-                </p:cond>
-              </p:prevCondLst>
-              <p:nextCondLst>
-                <p:cond evt="onNext" delay="0">
-                  <p:tgtEl>
-                    <p:sldTgt/>
-                  </p:tgtEl>
-                </p:cond>
-              </p:nextCondLst>
-            </p:seq>
-          </p:childTnLst>
-        </p:cTn>
-      </p:par>
-    </p:tnLst>
-    <p:bldLst>
-      <p:bldP spid="2" grpId="0" animBg="1"/>
-    </p:bldLst>
-  </p:timing>
-</p:sld>
-</file>
-
-<file path=ppt/slides/slide24.xml><?xml version="1.0" encoding="utf-8"?>
-<p:sld xmlns:a="http://schemas.openxmlformats.org/drawingml/2006/main" xmlns:r="http://schemas.openxmlformats.org/officeDocument/2006/relationships" xmlns:p="http://schemas.openxmlformats.org/presentationml/2006/main">
-  <p:cSld>
-    <p:spTree>
-      <p:nvGrpSpPr>
-        <p:cNvPr id="1" name="">
-          <a:extLst>
-            <a:ext uri="{FF2B5EF4-FFF2-40B4-BE49-F238E27FC236}">
-              <a16:creationId xmlns:a16="http://schemas.microsoft.com/office/drawing/2014/main" id="{03A98EBB-D83D-43C4-689D-4057CC1DCB77}"/>
-            </a:ext>
-          </a:extLst>
-        </p:cNvPr>
-        <p:cNvGrpSpPr/>
-        <p:nvPr/>
-      </p:nvGrpSpPr>
-      <p:grpSpPr>
-        <a:xfrm>
-          <a:off x="0" y="0"/>
-          <a:ext cx="0" cy="0"/>
-          <a:chOff x="0" y="0"/>
-          <a:chExt cx="0" cy="0"/>
-        </a:xfrm>
-      </p:grpSpPr>
-    </p:spTree>
-    <p:extLst>
-      <p:ext uri="{BB962C8B-B14F-4D97-AF65-F5344CB8AC3E}">
-        <p14:creationId xmlns:p14="http://schemas.microsoft.com/office/powerpoint/2010/main" val="2450126022"/>
-      </p:ext>
-    </p:extLst>
-  </p:cSld>
-  <p:clrMapOvr>
-    <a:masterClrMapping/>
-  </p:clrMapOvr>
-</p:sld>
-</file>
-
-<file path=ppt/slides/slide3.xml><?xml version="1.0" encoding="utf-8"?>
+<file path=ppt/slides/slide4.xml><?xml version="1.0" encoding="utf-8"?>
 <p:sld xmlns:a="http://schemas.openxmlformats.org/drawingml/2006/main" xmlns:r="http://schemas.openxmlformats.org/officeDocument/2006/relationships" xmlns:p="http://schemas.openxmlformats.org/presentationml/2006/main">
   <p:cSld>
     <p:spTree>
@@ -7970,7 +8610,7 @@
 </p:sld>
 </file>
 
-<file path=ppt/slides/slide4.xml><?xml version="1.0" encoding="utf-8"?>
+<file path=ppt/slides/slide5.xml><?xml version="1.0" encoding="utf-8"?>
 <p:sld xmlns:a="http://schemas.openxmlformats.org/drawingml/2006/main" xmlns:r="http://schemas.openxmlformats.org/officeDocument/2006/relationships" xmlns:p="http://schemas.openxmlformats.org/presentationml/2006/main">
   <p:cSld>
     <p:spTree>
@@ -8093,7 +8733,7 @@
 </p:sld>
 </file>
 
-<file path=ppt/slides/slide5.xml><?xml version="1.0" encoding="utf-8"?>
+<file path=ppt/slides/slide6.xml><?xml version="1.0" encoding="utf-8"?>
 <p:sld xmlns:a="http://schemas.openxmlformats.org/drawingml/2006/main" xmlns:r="http://schemas.openxmlformats.org/officeDocument/2006/relationships" xmlns:p="http://schemas.openxmlformats.org/presentationml/2006/main">
   <p:cSld>
     <p:spTree>
@@ -8199,129 +8839,6 @@
     <p:extLst>
       <p:ext uri="{BB962C8B-B14F-4D97-AF65-F5344CB8AC3E}">
         <p14:creationId xmlns:p14="http://schemas.microsoft.com/office/powerpoint/2010/main" val="3593899332"/>
-      </p:ext>
-    </p:extLst>
-  </p:cSld>
-  <p:clrMapOvr>
-    <a:masterClrMapping/>
-  </p:clrMapOvr>
-  <mc:AlternateContent xmlns:mc="http://schemas.openxmlformats.org/markup-compatibility/2006">
-    <mc:Choice xmlns:p14="http://schemas.microsoft.com/office/powerpoint/2010/main" Requires="p14">
-      <p:transition spd="slow" p14:dur="2000" advClick="0" advTm="2000"/>
-    </mc:Choice>
-    <mc:Fallback>
-      <p:transition spd="slow" advClick="0" advTm="2000"/>
-    </mc:Fallback>
-  </mc:AlternateContent>
-</p:sld>
-</file>
-
-<file path=ppt/slides/slide6.xml><?xml version="1.0" encoding="utf-8"?>
-<p:sld xmlns:a="http://schemas.openxmlformats.org/drawingml/2006/main" xmlns:r="http://schemas.openxmlformats.org/officeDocument/2006/relationships" xmlns:p="http://schemas.openxmlformats.org/presentationml/2006/main">
-  <p:cSld>
-    <p:spTree>
-      <p:nvGrpSpPr>
-        <p:cNvPr id="1" name="">
-          <a:extLst>
-            <a:ext uri="{FF2B5EF4-FFF2-40B4-BE49-F238E27FC236}">
-              <a16:creationId xmlns:a16="http://schemas.microsoft.com/office/drawing/2014/main" id="{1F6F29CC-6639-ADD8-56DD-9AB5AB4FE2AD}"/>
-            </a:ext>
-          </a:extLst>
-        </p:cNvPr>
-        <p:cNvGrpSpPr/>
-        <p:nvPr/>
-      </p:nvGrpSpPr>
-      <p:grpSpPr>
-        <a:xfrm>
-          <a:off x="0" y="0"/>
-          <a:ext cx="0" cy="0"/>
-          <a:chOff x="0" y="0"/>
-          <a:chExt cx="0" cy="0"/>
-        </a:xfrm>
-      </p:grpSpPr>
-      <p:pic>
-        <p:nvPicPr>
-          <p:cNvPr id="3" name="图片 2">
-            <a:extLst>
-              <a:ext uri="{FF2B5EF4-FFF2-40B4-BE49-F238E27FC236}">
-                <a16:creationId xmlns:a16="http://schemas.microsoft.com/office/drawing/2014/main" id="{67FC52D3-8CC1-CF24-FF7F-9D59672E342C}"/>
-              </a:ext>
-            </a:extLst>
-          </p:cNvPr>
-          <p:cNvPicPr>
-            <a:picLocks noChangeAspect="1"/>
-          </p:cNvPicPr>
-          <p:nvPr/>
-        </p:nvPicPr>
-        <p:blipFill>
-          <a:blip r:embed="rId2">
-            <a:extLst>
-              <a:ext uri="{28A0092B-C50C-407E-A947-70E740481C1C}">
-                <a14:useLocalDpi xmlns:a14="http://schemas.microsoft.com/office/drawing/2010/main" val="0"/>
-              </a:ext>
-            </a:extLst>
-          </a:blip>
-          <a:stretch>
-            <a:fillRect/>
-          </a:stretch>
-        </p:blipFill>
-        <p:spPr>
-          <a:xfrm>
-            <a:off x="3262934" y="1062448"/>
-            <a:ext cx="5083207" cy="4507877"/>
-          </a:xfrm>
-          <a:prstGeom prst="rect">
-            <a:avLst/>
-          </a:prstGeom>
-        </p:spPr>
-      </p:pic>
-      <p:sp>
-        <p:nvSpPr>
-          <p:cNvPr id="2" name="文本框 1">
-            <a:extLst>
-              <a:ext uri="{FF2B5EF4-FFF2-40B4-BE49-F238E27FC236}">
-                <a16:creationId xmlns:a16="http://schemas.microsoft.com/office/drawing/2014/main" id="{00084A8B-43F1-AED1-B68F-B02CB9AAB760}"/>
-              </a:ext>
-            </a:extLst>
-          </p:cNvPr>
-          <p:cNvSpPr txBox="1"/>
-          <p:nvPr/>
-        </p:nvSpPr>
-        <p:spPr>
-          <a:xfrm>
-            <a:off x="4616713" y="382241"/>
-            <a:ext cx="2375647" cy="584775"/>
-          </a:xfrm>
-          <a:prstGeom prst="rect">
-            <a:avLst/>
-          </a:prstGeom>
-          <a:noFill/>
-        </p:spPr>
-        <p:txBody>
-          <a:bodyPr wrap="square" rtlCol="0">
-            <a:spAutoFit/>
-          </a:bodyPr>
-          <a:lstStyle/>
-          <a:p>
-            <a:pPr algn="ctr"/>
-            <a:r>
-              <a:rPr lang="en-US" altLang="zh-CN" sz="3200" dirty="0" err="1">
-                <a:latin typeface="Noto Sans JP Black" panose="020B0200000000000000" pitchFamily="34" charset="-122"/>
-                <a:ea typeface="Noto Sans JP Black" panose="020B0200000000000000" pitchFamily="34" charset="-122"/>
-              </a:rPr>
-              <a:t>GeoBFN</a:t>
-            </a:r>
-            <a:endParaRPr lang="zh-CN" altLang="en-US" sz="3200" dirty="0">
-              <a:latin typeface="Noto Sans JP Black" panose="020B0200000000000000" pitchFamily="34" charset="-122"/>
-              <a:ea typeface="Noto Sans JP Black" panose="020B0200000000000000" pitchFamily="34" charset="-122"/>
-            </a:endParaRPr>
-          </a:p>
-        </p:txBody>
-      </p:sp>
-    </p:spTree>
-    <p:extLst>
-      <p:ext uri="{BB962C8B-B14F-4D97-AF65-F5344CB8AC3E}">
-        <p14:creationId xmlns:p14="http://schemas.microsoft.com/office/powerpoint/2010/main" val="3151110893"/>
       </p:ext>
     </p:extLst>
   </p:cSld>
